--- a/Running.pptx
+++ b/Running.pptx
@@ -22,6 +22,7 @@
     <p:sldId id="267" r:id="rId19"/>
     <p:sldId id="268" r:id="rId20"/>
     <p:sldId id="269" r:id="rId21"/>
+    <p:sldId id="270" r:id="rId22"/>
   </p:sldIdLst>
   <p:sldSz cx="24384000" cy="13716000"/>
   <p:notesSz cx="6858000" cy="9144000"/>
@@ -5108,7 +5109,7 @@
       </p:grpSpPr>
       <p:sp>
         <p:nvSpPr>
-          <p:cNvPr id="223" name="Project Structure"/>
+          <p:cNvPr id="226" name="Project Structure"/>
           <p:cNvSpPr txBox="1"/>
           <p:nvPr>
             <p:ph type="title"/>
@@ -5136,7 +5137,7 @@
       </p:sp>
       <p:sp>
         <p:nvSpPr>
-          <p:cNvPr id="224" name="- Module…"/>
+          <p:cNvPr id="227" name="- Module…"/>
           <p:cNvSpPr txBox="1"/>
           <p:nvPr>
             <p:ph type="body" idx="1"/>
@@ -5155,9 +5156,177 @@
           <a:bodyPr/>
           <a:lstStyle/>
           <a:p>
-            <a:pPr/>
-            <a:r>
-              <a:t>Sp</a:t>
+            <a:pPr defTabSz="914400">
+              <a:spcBef>
+                <a:spcPts val="1000"/>
+              </a:spcBef>
+              <a:defRPr sz="2400"/>
+            </a:pPr>
+            <a:r>
+              <a:t>Volume:</a:t>
+            </a:r>
+          </a:p>
+          <a:p>
+            <a:pPr defTabSz="914400">
+              <a:spcBef>
+                <a:spcPts val="1000"/>
+              </a:spcBef>
+              <a:defRPr sz="2400"/>
+            </a:pPr>
+            <a:r>
+              <a:t>- Pace calculater:</a:t>
+            </a:r>
+          </a:p>
+          <a:p>
+            <a:pPr lvl="1" marL="0" indent="342900" defTabSz="914400">
+              <a:spcBef>
+                <a:spcPts val="1000"/>
+              </a:spcBef>
+              <a:buSzTx/>
+              <a:buNone/>
+              <a:defRPr sz="2400"/>
+            </a:pPr>
+            <a:r>
+              <a:t>+ Run 2,3 km</a:t>
+            </a:r>
+          </a:p>
+          <a:p>
+            <a:pPr lvl="1" marL="0" indent="342900" defTabSz="914400">
+              <a:spcBef>
+                <a:spcPts val="1000"/>
+              </a:spcBef>
+              <a:buSzTx/>
+              <a:buNone/>
+              <a:defRPr sz="2400"/>
+            </a:pPr>
+            <a:r>
+              <a:t>+ Go to cal culatẻ</a:t>
+            </a:r>
+          </a:p>
+          <a:p>
+            <a:pPr defTabSz="914400">
+              <a:spcBef>
+                <a:spcPts val="1000"/>
+              </a:spcBef>
+              <a:defRPr sz="2400"/>
+            </a:pPr>
+            <a:r>
+              <a:t>- Rule</a:t>
+            </a:r>
+          </a:p>
+          <a:p>
+            <a:pPr lvl="1" marL="0" indent="342900" defTabSz="914400">
+              <a:spcBef>
+                <a:spcPts val="1000"/>
+              </a:spcBef>
+              <a:buSzTx/>
+              <a:buNone/>
+              <a:defRPr sz="2400"/>
+            </a:pPr>
+            <a:r>
+              <a:t>Increae 10% per week</a:t>
+            </a:r>
+          </a:p>
+          <a:p>
+            <a:pPr lvl="1" marL="0" indent="342900" defTabSz="914400">
+              <a:spcBef>
+                <a:spcPts val="1000"/>
+              </a:spcBef>
+              <a:buSzTx/>
+              <a:buNone/>
+              <a:defRPr sz="2400"/>
+            </a:pPr>
+            <a:r>
+              <a:t>have a free week after 3 week increase</a:t>
+            </a:r>
+          </a:p>
+          <a:p>
+            <a:pPr defTabSz="914400">
+              <a:spcBef>
+                <a:spcPts val="1000"/>
+              </a:spcBef>
+              <a:defRPr sz="2400"/>
+            </a:pPr>
+            <a:r>
+              <a:t>- For beginner : 0 -&gt; 20km per week  -&gt; Build Base</a:t>
+            </a:r>
+          </a:p>
+          <a:p>
+            <a:pPr lvl="1" marL="0" indent="342900" defTabSz="914400">
+              <a:spcBef>
+                <a:spcPts val="1000"/>
+              </a:spcBef>
+              <a:buSzTx/>
+              <a:buNone/>
+              <a:defRPr sz="2400"/>
+            </a:pPr>
+            <a:r>
+              <a:t>+ T3: 3km - 3 minute run + 1 minute Walk</a:t>
+            </a:r>
+          </a:p>
+          <a:p>
+            <a:pPr lvl="1" marL="0" indent="342900" defTabSz="914400">
+              <a:spcBef>
+                <a:spcPts val="1000"/>
+              </a:spcBef>
+              <a:buSzTx/>
+              <a:buNone/>
+              <a:defRPr sz="2400"/>
+            </a:pPr>
+            <a:r>
+              <a:t>+ T4: Walk 2km</a:t>
+            </a:r>
+          </a:p>
+          <a:p>
+            <a:pPr lvl="1" marL="0" indent="342900" defTabSz="914400">
+              <a:spcBef>
+                <a:spcPts val="1000"/>
+              </a:spcBef>
+              <a:buSzTx/>
+              <a:buNone/>
+              <a:defRPr sz="2400"/>
+            </a:pPr>
+            <a:r>
+              <a:t>+ T5: 3km - 3 minute run + 1 minute Walk</a:t>
+            </a:r>
+          </a:p>
+          <a:p>
+            <a:pPr lvl="1" marL="0" indent="342900" defTabSz="914400">
+              <a:spcBef>
+                <a:spcPts val="1000"/>
+              </a:spcBef>
+              <a:buSzTx/>
+              <a:buNone/>
+              <a:defRPr sz="2400"/>
+            </a:pPr>
+            <a:r>
+              <a:t>+ T6: Interval 400m x 5 + 3 minut rest</a:t>
+            </a:r>
+          </a:p>
+          <a:p>
+            <a:pPr lvl="1" marL="0" indent="342900" defTabSz="914400">
+              <a:spcBef>
+                <a:spcPts val="1000"/>
+              </a:spcBef>
+              <a:buSzTx/>
+              <a:buNone/>
+              <a:defRPr sz="2400"/>
+            </a:pPr>
+            <a:r>
+              <a:t>+ CN: 5km- 3 minute run + 1 minute rest</a:t>
+            </a:r>
+          </a:p>
+          <a:p>
+            <a:pPr lvl="1" marL="0" indent="342900" defTabSz="914400">
+              <a:spcBef>
+                <a:spcPts val="1000"/>
+              </a:spcBef>
+              <a:buSzTx/>
+              <a:buNone/>
+              <a:defRPr sz="2400"/>
+            </a:pPr>
+            <a:r>
+              <a:t>Total: 13km</a:t>
             </a:r>
           </a:p>
         </p:txBody>
@@ -5190,47 +5359,7 @@
       </p:grpSpPr>
       <p:sp>
         <p:nvSpPr>
-          <p:cNvPr id="226" name="Footer Placeholder 3"/>
-          <p:cNvSpPr txBox="1"/>
-          <p:nvPr>
-            <p:ph type="sldNum" sz="quarter" idx="4294967295"/>
-          </p:nvPr>
-        </p:nvSpPr>
-        <p:spPr>
-          <a:xfrm>
-            <a:off x="21401469" y="12638127"/>
-            <a:ext cx="564892" cy="614675"/>
-          </a:xfrm>
-          <a:prstGeom prst="rect">
-            <a:avLst/>
-          </a:prstGeom>
-          <a:extLst>
-            <a:ext uri="{C572A759-6A51-4108-AA02-DFA0A04FC94B}">
-              <ma14:wrappingTextBoxFlag xmlns:ma14="http://schemas.microsoft.com/office/mac/drawingml/2011/main" val="1"/>
-            </a:ext>
-          </a:extLst>
-        </p:spPr>
-        <p:txBody>
-          <a:bodyPr lIns="91436" tIns="91436" rIns="91436" bIns="91436" anchor="ctr"/>
-          <a:lstStyle>
-            <a:lvl1pPr algn="r" defTabSz="1828800">
-              <a:defRPr sz="2800">
-                <a:latin typeface="Calibre Regular"/>
-                <a:ea typeface="Calibre Regular"/>
-                <a:cs typeface="Calibre Regular"/>
-                <a:sym typeface="Calibre Regular"/>
-              </a:defRPr>
-            </a:lvl1pPr>
-          </a:lstStyle>
-          <a:p>
-            <a:pPr/>
-            <a:fld id="{86CB4B4D-7CA3-9044-876B-883B54F8677D}" type="slidenum"/>
-          </a:p>
-        </p:txBody>
-      </p:sp>
-      <p:sp>
-        <p:nvSpPr>
-          <p:cNvPr id="227" name="Title 2"/>
+          <p:cNvPr id="229" name="Project Structure"/>
           <p:cNvSpPr txBox="1"/>
           <p:nvPr>
             <p:ph type="title"/>
@@ -5238,8 +5367,8 @@
         </p:nvSpPr>
         <p:spPr>
           <a:xfrm>
-            <a:off x="1249678" y="1158238"/>
-            <a:ext cx="19816490" cy="2401575"/>
+            <a:off x="1280160" y="1158238"/>
+            <a:ext cx="19825184" cy="2401574"/>
           </a:xfrm>
           <a:prstGeom prst="rect">
             <a:avLst/>
@@ -5247,31 +5376,27 @@
         </p:spPr>
         <p:txBody>
           <a:bodyPr/>
-          <a:lstStyle>
-            <a:lvl1pPr defTabSz="1408174">
-              <a:defRPr sz="9200"/>
-            </a:lvl1pPr>
-          </a:lstStyle>
+          <a:lstStyle/>
           <a:p>
             <a:pPr/>
             <a:r>
-              <a:t>Gear</a:t>
+              <a:t>Planning</a:t>
             </a:r>
           </a:p>
         </p:txBody>
       </p:sp>
       <p:sp>
         <p:nvSpPr>
-          <p:cNvPr id="228" name="Content Placeholder 3"/>
+          <p:cNvPr id="230" name="- Module…"/>
           <p:cNvSpPr txBox="1"/>
           <p:nvPr>
-            <p:ph type="body" sz="half" idx="1"/>
+            <p:ph type="body" idx="1"/>
           </p:nvPr>
         </p:nvSpPr>
         <p:spPr>
           <a:xfrm>
-            <a:off x="1762211" y="3816375"/>
-            <a:ext cx="12683533" cy="8624704"/>
+            <a:off x="1787614" y="4251823"/>
+            <a:ext cx="20808772" cy="7061560"/>
           </a:xfrm>
           <a:prstGeom prst="rect">
             <a:avLst/>
@@ -5281,245 +5406,97 @@
           <a:bodyPr/>
           <a:lstStyle/>
           <a:p>
-            <a:pPr marL="758951" indent="-758951" defTabSz="1517903">
-              <a:lnSpc>
-                <a:spcPct val="81000"/>
-              </a:lnSpc>
-              <a:spcBef>
-                <a:spcPts val="1600"/>
-              </a:spcBef>
-              <a:buClr>
-                <a:srgbClr val="D92C27"/>
-              </a:buClr>
-              <a:buSzPct val="100000"/>
-              <a:buAutoNum type="arabicPeriod" startAt="1"/>
-              <a:defRPr sz="3652"/>
-            </a:pPr>
-            <a:r>
-              <a:t>Watch</a:t>
-            </a:r>
-          </a:p>
-          <a:p>
-            <a:pPr lvl="1" marL="948689" indent="-758951" defTabSz="1517903">
-              <a:lnSpc>
-                <a:spcPct val="81000"/>
-              </a:lnSpc>
-              <a:spcBef>
-                <a:spcPts val="1600"/>
-              </a:spcBef>
-              <a:buClr>
-                <a:srgbClr val="D92C27"/>
-              </a:buClr>
-              <a:buAutoNum type="arabicPeriod" startAt="1"/>
-              <a:defRPr sz="3652"/>
-            </a:pPr>
-            <a:r>
-              <a:t>Strava</a:t>
-            </a:r>
-          </a:p>
-          <a:p>
-            <a:pPr lvl="1" marL="948689" indent="-758951" defTabSz="1517903">
-              <a:lnSpc>
-                <a:spcPct val="81000"/>
-              </a:lnSpc>
-              <a:spcBef>
-                <a:spcPts val="1600"/>
-              </a:spcBef>
-              <a:buClr>
-                <a:srgbClr val="D92C27"/>
-              </a:buClr>
-              <a:buAutoNum type="arabicPeriod" startAt="1"/>
-              <a:defRPr sz="3652"/>
-            </a:pPr>
-            <a:r>
-              <a:t>Cheap</a:t>
-            </a:r>
-          </a:p>
-          <a:p>
-            <a:pPr lvl="2" marL="1517903" indent="-758951" defTabSz="1517903">
-              <a:lnSpc>
-                <a:spcPct val="81000"/>
-              </a:lnSpc>
-              <a:spcBef>
-                <a:spcPts val="1600"/>
-              </a:spcBef>
-              <a:buClr>
-                <a:srgbClr val="D92C27"/>
-              </a:buClr>
-              <a:buSzPct val="100000"/>
-              <a:buAutoNum type="arabicPeriod" startAt="1"/>
-              <a:defRPr sz="3652"/>
-            </a:pPr>
-            <a:r>
-              <a:t>For Runner 56</a:t>
-            </a:r>
-          </a:p>
-          <a:p>
-            <a:pPr lvl="1" marL="948689" indent="-758951" defTabSz="1517903">
-              <a:lnSpc>
-                <a:spcPct val="81000"/>
-              </a:lnSpc>
-              <a:spcBef>
-                <a:spcPts val="1600"/>
-              </a:spcBef>
-              <a:buClr>
-                <a:srgbClr val="D92C27"/>
-              </a:buClr>
-              <a:buAutoNum type="arabicPeriod" startAt="1"/>
-              <a:defRPr sz="3652"/>
-            </a:pPr>
-            <a:r>
-              <a:t>Typical</a:t>
-            </a:r>
-          </a:p>
-          <a:p>
-            <a:pPr lvl="2" marL="1517903" indent="-758951" defTabSz="1517903">
-              <a:lnSpc>
-                <a:spcPct val="81000"/>
-              </a:lnSpc>
-              <a:spcBef>
-                <a:spcPts val="1600"/>
-              </a:spcBef>
-              <a:buClr>
-                <a:srgbClr val="D92C27"/>
-              </a:buClr>
-              <a:buSzPct val="100000"/>
-              <a:buAutoNum type="arabicPeriod" startAt="1"/>
-              <a:defRPr sz="3652"/>
-            </a:pPr>
-            <a:r>
-              <a:t>For Runner 256</a:t>
-            </a:r>
-          </a:p>
-          <a:p>
-            <a:pPr lvl="2" marL="1517903" indent="-758951" defTabSz="1517903">
-              <a:lnSpc>
-                <a:spcPct val="81000"/>
-              </a:lnSpc>
-              <a:spcBef>
-                <a:spcPts val="1600"/>
-              </a:spcBef>
-              <a:buClr>
-                <a:srgbClr val="D92C27"/>
-              </a:buClr>
-              <a:buSzPct val="100000"/>
-              <a:buAutoNum type="arabicPeriod" startAt="1"/>
-              <a:defRPr sz="3652"/>
-            </a:pPr>
-            <a:r>
-              <a:t>Coros pace 2</a:t>
-            </a:r>
-          </a:p>
-          <a:p>
-            <a:pPr lvl="1" marL="948689" indent="-758951" defTabSz="1517903">
-              <a:lnSpc>
-                <a:spcPct val="81000"/>
-              </a:lnSpc>
-              <a:spcBef>
-                <a:spcPts val="1600"/>
-              </a:spcBef>
-              <a:buClr>
-                <a:srgbClr val="D92C27"/>
-              </a:buClr>
-              <a:buAutoNum type="arabicPeriod" startAt="1"/>
-              <a:defRPr sz="3652"/>
-            </a:pPr>
-            <a:r>
-              <a:t>Rich kid: </a:t>
-            </a:r>
-          </a:p>
-          <a:p>
-            <a:pPr lvl="2" marL="1517903" indent="-758951" defTabSz="1517903">
-              <a:lnSpc>
-                <a:spcPct val="81000"/>
-              </a:lnSpc>
-              <a:spcBef>
-                <a:spcPts val="1600"/>
-              </a:spcBef>
-              <a:buClr>
-                <a:srgbClr val="D92C27"/>
-              </a:buClr>
-              <a:buSzPct val="100000"/>
-              <a:buAutoNum type="arabicPeriod" startAt="1"/>
-              <a:defRPr sz="3652"/>
-            </a:pPr>
-            <a:r>
-              <a:t>For Runner 956</a:t>
-            </a:r>
-          </a:p>
-          <a:p>
-            <a:pPr lvl="2" marL="1517903" indent="-758951" defTabSz="1517903">
-              <a:lnSpc>
-                <a:spcPct val="81000"/>
-              </a:lnSpc>
-              <a:spcBef>
-                <a:spcPts val="1600"/>
-              </a:spcBef>
-              <a:buClr>
-                <a:srgbClr val="D92C27"/>
-              </a:buClr>
-              <a:buSzPct val="100000"/>
-              <a:buAutoNum type="arabicPeriod" startAt="1"/>
-              <a:defRPr sz="3652"/>
-            </a:pPr>
-            <a:r>
-              <a:t>Fenix 7</a:t>
-            </a:r>
-          </a:p>
-          <a:p>
-            <a:pPr marL="758951" indent="-758951" defTabSz="1517903">
-              <a:lnSpc>
-                <a:spcPct val="81000"/>
-              </a:lnSpc>
-              <a:spcBef>
-                <a:spcPts val="1600"/>
-              </a:spcBef>
-              <a:buClr>
-                <a:srgbClr val="D92C27"/>
-              </a:buClr>
-              <a:buSzPct val="100000"/>
-              <a:buAutoNum type="arabicPeriod" startAt="1"/>
-              <a:defRPr sz="3652"/>
-            </a:pPr>
-            <a:r>
-              <a:t>Shoe</a:t>
-            </a:r>
-          </a:p>
-          <a:p>
-            <a:pPr lvl="1" marL="948689" indent="-758951" defTabSz="1517903">
-              <a:lnSpc>
-                <a:spcPct val="81000"/>
-              </a:lnSpc>
-              <a:spcBef>
-                <a:spcPts val="1600"/>
-              </a:spcBef>
-              <a:buClr>
-                <a:srgbClr val="D92C27"/>
-              </a:buClr>
-              <a:buAutoNum type="arabicPeriod" startAt="1"/>
-              <a:defRPr sz="3652"/>
-            </a:pPr>
-            <a:r>
-              <a:t>Nike pegasus </a:t>
-            </a:r>
-          </a:p>
-          <a:p>
-            <a:pPr lvl="1" marL="948689" indent="-758951" defTabSz="1517903">
-              <a:lnSpc>
-                <a:spcPct val="81000"/>
-              </a:lnSpc>
-              <a:spcBef>
-                <a:spcPts val="1600"/>
-              </a:spcBef>
-              <a:buClr>
-                <a:srgbClr val="D92C27"/>
-              </a:buClr>
-              <a:buAutoNum type="arabicPeriod" startAt="1"/>
-              <a:defRPr sz="3652"/>
-            </a:pPr>
-            <a:r>
-              <a:t>Saucony Speed 3</a:t>
-            </a:r>
+            <a:pPr defTabSz="1572768">
+              <a:spcBef>
+                <a:spcPts val="1700"/>
+              </a:spcBef>
+              <a:defRPr sz="4128"/>
+            </a:pPr>
+            <a:r>
+              <a:t>21km(22 to 40km)</a:t>
+            </a:r>
+          </a:p>
+          <a:p>
+            <a:pPr defTabSz="1572768">
+              <a:spcBef>
+                <a:spcPts val="1700"/>
+              </a:spcBef>
+              <a:defRPr sz="4128"/>
+            </a:pPr>
+            <a:r>
+              <a:t>    T2: off</a:t>
+            </a:r>
+          </a:p>
+          <a:p>
+            <a:pPr defTabSz="1572768">
+              <a:spcBef>
+                <a:spcPts val="1700"/>
+              </a:spcBef>
+              <a:defRPr sz="4128"/>
+            </a:pPr>
+            <a:r>
+              <a:t>    T3: 7km tempo</a:t>
+            </a:r>
+          </a:p>
+          <a:p>
+            <a:pPr lvl="1" marL="0" indent="589788" defTabSz="1572768">
+              <a:spcBef>
+                <a:spcPts val="1700"/>
+              </a:spcBef>
+              <a:buSzTx/>
+              <a:buNone/>
+              <a:defRPr sz="4128"/>
+            </a:pPr>
+            <a:r>
+              <a:t>T4: 4km easy</a:t>
+            </a:r>
+          </a:p>
+          <a:p>
+            <a:pPr lvl="1" marL="0" indent="589788" defTabSz="1572768">
+              <a:spcBef>
+                <a:spcPts val="1700"/>
+              </a:spcBef>
+              <a:buSzTx/>
+              <a:buNone/>
+              <a:defRPr sz="4128"/>
+            </a:pPr>
+            <a:r>
+              <a:t>T5: 8km(Tempo) -&gt; Replace interval 5km next week</a:t>
+            </a:r>
+          </a:p>
+          <a:p>
+            <a:pPr lvl="1" marL="0" indent="589788" defTabSz="1572768">
+              <a:spcBef>
+                <a:spcPts val="1700"/>
+              </a:spcBef>
+              <a:buSzTx/>
+              <a:buNone/>
+              <a:defRPr sz="4128"/>
+            </a:pPr>
+            <a:r>
+              <a:t>T6: 4km easy</a:t>
+            </a:r>
+          </a:p>
+          <a:p>
+            <a:pPr lvl="1" marL="0" indent="589788" defTabSz="1572768">
+              <a:spcBef>
+                <a:spcPts val="1700"/>
+              </a:spcBef>
+              <a:buSzTx/>
+              <a:buNone/>
+              <a:defRPr sz="4128"/>
+            </a:pPr>
+            <a:r>
+              <a:t>Cn: 15km long run</a:t>
+            </a:r>
+          </a:p>
+          <a:p>
+            <a:pPr defTabSz="1572768">
+              <a:spcBef>
+                <a:spcPts val="1700"/>
+              </a:spcBef>
+              <a:defRPr sz="4128"/>
+            </a:pPr>
           </a:p>
         </p:txBody>
       </p:sp>
@@ -5551,7 +5528,7 @@
       </p:grpSpPr>
       <p:sp>
         <p:nvSpPr>
-          <p:cNvPr id="230" name="Footer Placeholder 3"/>
+          <p:cNvPr id="232" name="Footer Placeholder 3"/>
           <p:cNvSpPr txBox="1"/>
           <p:nvPr>
             <p:ph type="sldNum" sz="quarter" idx="4294967295"/>
@@ -5560,7 +5537,7 @@
         <p:spPr>
           <a:xfrm>
             <a:off x="21375250" y="12638127"/>
-            <a:ext cx="591110" cy="614675"/>
+            <a:ext cx="591111" cy="614675"/>
           </a:xfrm>
           <a:prstGeom prst="rect">
             <a:avLst/>
@@ -5591,7 +5568,7 @@
       </p:sp>
       <p:sp>
         <p:nvSpPr>
-          <p:cNvPr id="231" name="Title 2"/>
+          <p:cNvPr id="233" name="Title 2"/>
           <p:cNvSpPr txBox="1"/>
           <p:nvPr>
             <p:ph type="title"/>
@@ -5600,7 +5577,7 @@
         <p:spPr>
           <a:xfrm>
             <a:off x="1249678" y="1158238"/>
-            <a:ext cx="19816490" cy="2401574"/>
+            <a:ext cx="19816490" cy="2401575"/>
           </a:xfrm>
           <a:prstGeom prst="rect">
             <a:avLst/>
@@ -5623,7 +5600,7 @@
       </p:sp>
       <p:sp>
         <p:nvSpPr>
-          <p:cNvPr id="232" name="Content Placeholder 3"/>
+          <p:cNvPr id="234" name="Content Placeholder 3"/>
           <p:cNvSpPr txBox="1"/>
           <p:nvPr>
             <p:ph type="body" sz="half" idx="1"/>
@@ -5642,65 +5619,244 @@
           <a:bodyPr/>
           <a:lstStyle/>
           <a:p>
-            <a:pPr marL="914400" indent="-914400">
+            <a:pPr marL="758951" indent="-758951" defTabSz="1517903">
               <a:lnSpc>
                 <a:spcPct val="81000"/>
               </a:lnSpc>
+              <a:spcBef>
+                <a:spcPts val="1600"/>
+              </a:spcBef>
               <a:buClr>
                 <a:srgbClr val="D92C27"/>
               </a:buClr>
               <a:buSzPct val="100000"/>
               <a:buAutoNum type="arabicPeriod" startAt="1"/>
-              <a:defRPr sz="4400"/>
-            </a:pPr>
-            <a:r>
-              <a:t>Cloth</a:t>
-            </a:r>
-          </a:p>
-          <a:p>
-            <a:pPr marL="914400" indent="-914400">
+              <a:defRPr sz="3652"/>
+            </a:pPr>
+            <a:r>
+              <a:t>Watch</a:t>
+            </a:r>
+          </a:p>
+          <a:p>
+            <a:pPr lvl="1" marL="948689" indent="-758951" defTabSz="1517903">
               <a:lnSpc>
                 <a:spcPct val="81000"/>
               </a:lnSpc>
+              <a:spcBef>
+                <a:spcPts val="1600"/>
+              </a:spcBef>
+              <a:buClr>
+                <a:srgbClr val="D92C27"/>
+              </a:buClr>
+              <a:buAutoNum type="arabicPeriod" startAt="1"/>
+              <a:defRPr sz="3652"/>
+            </a:pPr>
+            <a:r>
+              <a:t>Strava</a:t>
+            </a:r>
+          </a:p>
+          <a:p>
+            <a:pPr lvl="1" marL="948689" indent="-758951" defTabSz="1517903">
+              <a:lnSpc>
+                <a:spcPct val="81000"/>
+              </a:lnSpc>
+              <a:spcBef>
+                <a:spcPts val="1600"/>
+              </a:spcBef>
+              <a:buClr>
+                <a:srgbClr val="D92C27"/>
+              </a:buClr>
+              <a:buAutoNum type="arabicPeriod" startAt="1"/>
+              <a:defRPr sz="3652"/>
+            </a:pPr>
+            <a:r>
+              <a:t>Cheap</a:t>
+            </a:r>
+          </a:p>
+          <a:p>
+            <a:pPr lvl="2" marL="1517903" indent="-758951" defTabSz="1517903">
+              <a:lnSpc>
+                <a:spcPct val="81000"/>
+              </a:lnSpc>
+              <a:spcBef>
+                <a:spcPts val="1600"/>
+              </a:spcBef>
               <a:buClr>
                 <a:srgbClr val="D92C27"/>
               </a:buClr>
               <a:buSzPct val="100000"/>
               <a:buAutoNum type="arabicPeriod" startAt="1"/>
-              <a:defRPr sz="4400"/>
-            </a:pPr>
-            <a:r>
-              <a:t>Nutrion</a:t>
-            </a:r>
-          </a:p>
-          <a:p>
-            <a:pPr lvl="1" marL="1143000" indent="-914400">
+              <a:defRPr sz="3652"/>
+            </a:pPr>
+            <a:r>
+              <a:t>For Runner 56</a:t>
+            </a:r>
+          </a:p>
+          <a:p>
+            <a:pPr lvl="1" marL="948689" indent="-758951" defTabSz="1517903">
               <a:lnSpc>
                 <a:spcPct val="81000"/>
               </a:lnSpc>
+              <a:spcBef>
+                <a:spcPts val="1600"/>
+              </a:spcBef>
               <a:buClr>
                 <a:srgbClr val="D92C27"/>
               </a:buClr>
               <a:buAutoNum type="arabicPeriod" startAt="1"/>
-              <a:defRPr sz="4400"/>
-            </a:pPr>
-            <a:r>
-              <a:t>Gel</a:t>
-            </a:r>
-          </a:p>
-          <a:p>
-            <a:pPr lvl="1" marL="1143000" indent="-914400">
+              <a:defRPr sz="3652"/>
+            </a:pPr>
+            <a:r>
+              <a:t>Typical</a:t>
+            </a:r>
+          </a:p>
+          <a:p>
+            <a:pPr lvl="2" marL="1517903" indent="-758951" defTabSz="1517903">
               <a:lnSpc>
                 <a:spcPct val="81000"/>
               </a:lnSpc>
+              <a:spcBef>
+                <a:spcPts val="1600"/>
+              </a:spcBef>
+              <a:buClr>
+                <a:srgbClr val="D92C27"/>
+              </a:buClr>
+              <a:buSzPct val="100000"/>
+              <a:buAutoNum type="arabicPeriod" startAt="1"/>
+              <a:defRPr sz="3652"/>
+            </a:pPr>
+            <a:r>
+              <a:t>For Runner 256</a:t>
+            </a:r>
+          </a:p>
+          <a:p>
+            <a:pPr lvl="2" marL="1517903" indent="-758951" defTabSz="1517903">
+              <a:lnSpc>
+                <a:spcPct val="81000"/>
+              </a:lnSpc>
+              <a:spcBef>
+                <a:spcPts val="1600"/>
+              </a:spcBef>
+              <a:buClr>
+                <a:srgbClr val="D92C27"/>
+              </a:buClr>
+              <a:buSzPct val="100000"/>
+              <a:buAutoNum type="arabicPeriod" startAt="1"/>
+              <a:defRPr sz="3652"/>
+            </a:pPr>
+            <a:r>
+              <a:t>Coros pace 2</a:t>
+            </a:r>
+          </a:p>
+          <a:p>
+            <a:pPr lvl="1" marL="948689" indent="-758951" defTabSz="1517903">
+              <a:lnSpc>
+                <a:spcPct val="81000"/>
+              </a:lnSpc>
+              <a:spcBef>
+                <a:spcPts val="1600"/>
+              </a:spcBef>
               <a:buClr>
                 <a:srgbClr val="D92C27"/>
               </a:buClr>
               <a:buAutoNum type="arabicPeriod" startAt="1"/>
-              <a:defRPr sz="4400"/>
-            </a:pPr>
-            <a:r>
-              <a:t>Muối</a:t>
+              <a:defRPr sz="3652"/>
+            </a:pPr>
+            <a:r>
+              <a:t>Rich kid: </a:t>
+            </a:r>
+          </a:p>
+          <a:p>
+            <a:pPr lvl="2" marL="1517903" indent="-758951" defTabSz="1517903">
+              <a:lnSpc>
+                <a:spcPct val="81000"/>
+              </a:lnSpc>
+              <a:spcBef>
+                <a:spcPts val="1600"/>
+              </a:spcBef>
+              <a:buClr>
+                <a:srgbClr val="D92C27"/>
+              </a:buClr>
+              <a:buSzPct val="100000"/>
+              <a:buAutoNum type="arabicPeriod" startAt="1"/>
+              <a:defRPr sz="3652"/>
+            </a:pPr>
+            <a:r>
+              <a:t>For Runner 956</a:t>
+            </a:r>
+          </a:p>
+          <a:p>
+            <a:pPr lvl="2" marL="1517903" indent="-758951" defTabSz="1517903">
+              <a:lnSpc>
+                <a:spcPct val="81000"/>
+              </a:lnSpc>
+              <a:spcBef>
+                <a:spcPts val="1600"/>
+              </a:spcBef>
+              <a:buClr>
+                <a:srgbClr val="D92C27"/>
+              </a:buClr>
+              <a:buSzPct val="100000"/>
+              <a:buAutoNum type="arabicPeriod" startAt="1"/>
+              <a:defRPr sz="3652"/>
+            </a:pPr>
+            <a:r>
+              <a:t>Fenix 7</a:t>
+            </a:r>
+          </a:p>
+          <a:p>
+            <a:pPr marL="758951" indent="-758951" defTabSz="1517903">
+              <a:lnSpc>
+                <a:spcPct val="81000"/>
+              </a:lnSpc>
+              <a:spcBef>
+                <a:spcPts val="1600"/>
+              </a:spcBef>
+              <a:buClr>
+                <a:srgbClr val="D92C27"/>
+              </a:buClr>
+              <a:buSzPct val="100000"/>
+              <a:buAutoNum type="arabicPeriod" startAt="1"/>
+              <a:defRPr sz="3652"/>
+            </a:pPr>
+            <a:r>
+              <a:t>Shoe</a:t>
+            </a:r>
+          </a:p>
+          <a:p>
+            <a:pPr lvl="1" marL="948689" indent="-758951" defTabSz="1517903">
+              <a:lnSpc>
+                <a:spcPct val="81000"/>
+              </a:lnSpc>
+              <a:spcBef>
+                <a:spcPts val="1600"/>
+              </a:spcBef>
+              <a:buClr>
+                <a:srgbClr val="D92C27"/>
+              </a:buClr>
+              <a:buAutoNum type="arabicPeriod" startAt="1"/>
+              <a:defRPr sz="3652"/>
+            </a:pPr>
+            <a:r>
+              <a:t>Nike pegasus </a:t>
+            </a:r>
+          </a:p>
+          <a:p>
+            <a:pPr lvl="1" marL="948689" indent="-758951" defTabSz="1517903">
+              <a:lnSpc>
+                <a:spcPct val="81000"/>
+              </a:lnSpc>
+              <a:spcBef>
+                <a:spcPts val="1600"/>
+              </a:spcBef>
+              <a:buClr>
+                <a:srgbClr val="D92C27"/>
+              </a:buClr>
+              <a:buAutoNum type="arabicPeriod" startAt="1"/>
+              <a:defRPr sz="3652"/>
+            </a:pPr>
+            <a:r>
+              <a:t>Saucony Speed 3</a:t>
             </a:r>
           </a:p>
         </p:txBody>
@@ -5733,7 +5889,47 @@
       </p:grpSpPr>
       <p:sp>
         <p:nvSpPr>
-          <p:cNvPr id="234" name="PACT"/>
+          <p:cNvPr id="236" name="Footer Placeholder 3"/>
+          <p:cNvSpPr txBox="1"/>
+          <p:nvPr>
+            <p:ph type="sldNum" sz="quarter" idx="4294967295"/>
+          </p:nvPr>
+        </p:nvSpPr>
+        <p:spPr>
+          <a:xfrm>
+            <a:off x="21375250" y="12638127"/>
+            <a:ext cx="591110" cy="614675"/>
+          </a:xfrm>
+          <a:prstGeom prst="rect">
+            <a:avLst/>
+          </a:prstGeom>
+          <a:extLst>
+            <a:ext uri="{C572A759-6A51-4108-AA02-DFA0A04FC94B}">
+              <ma14:wrappingTextBoxFlag xmlns:ma14="http://schemas.microsoft.com/office/mac/drawingml/2011/main" val="1"/>
+            </a:ext>
+          </a:extLst>
+        </p:spPr>
+        <p:txBody>
+          <a:bodyPr lIns="91436" tIns="91436" rIns="91436" bIns="91436" anchor="ctr"/>
+          <a:lstStyle>
+            <a:lvl1pPr algn="r" defTabSz="1828800">
+              <a:defRPr sz="2800">
+                <a:latin typeface="Calibre Regular"/>
+                <a:ea typeface="Calibre Regular"/>
+                <a:cs typeface="Calibre Regular"/>
+                <a:sym typeface="Calibre Regular"/>
+              </a:defRPr>
+            </a:lvl1pPr>
+          </a:lstStyle>
+          <a:p>
+            <a:pPr/>
+            <a:fld id="{86CB4B4D-7CA3-9044-876B-883B54F8677D}" type="slidenum"/>
+          </a:p>
+        </p:txBody>
+      </p:sp>
+      <p:sp>
+        <p:nvSpPr>
+          <p:cNvPr id="237" name="Title 2"/>
           <p:cNvSpPr txBox="1"/>
           <p:nvPr>
             <p:ph type="title"/>
@@ -5741,8 +5937,40 @@
         </p:nvSpPr>
         <p:spPr>
           <a:xfrm>
-            <a:off x="1249680" y="1158238"/>
-            <a:ext cx="19816490" cy="2401575"/>
+            <a:off x="1249678" y="1158238"/>
+            <a:ext cx="19816490" cy="2401574"/>
+          </a:xfrm>
+          <a:prstGeom prst="rect">
+            <a:avLst/>
+          </a:prstGeom>
+        </p:spPr>
+        <p:txBody>
+          <a:bodyPr/>
+          <a:lstStyle>
+            <a:lvl1pPr defTabSz="1408174">
+              <a:defRPr sz="9200"/>
+            </a:lvl1pPr>
+          </a:lstStyle>
+          <a:p>
+            <a:pPr/>
+            <a:r>
+              <a:t>Gear</a:t>
+            </a:r>
+          </a:p>
+        </p:txBody>
+      </p:sp>
+      <p:sp>
+        <p:nvSpPr>
+          <p:cNvPr id="238" name="Content Placeholder 3"/>
+          <p:cNvSpPr txBox="1"/>
+          <p:nvPr>
+            <p:ph type="body" sz="half" idx="1"/>
+          </p:nvPr>
+        </p:nvSpPr>
+        <p:spPr>
+          <a:xfrm>
+            <a:off x="1762211" y="3816375"/>
+            <a:ext cx="12683533" cy="8624704"/>
           </a:xfrm>
           <a:prstGeom prst="rect">
             <a:avLst/>
@@ -5752,9 +5980,65 @@
           <a:bodyPr/>
           <a:lstStyle/>
           <a:p>
-            <a:pPr/>
-            <a:r>
-              <a:t>Open questions</a:t>
+            <a:pPr marL="914400" indent="-914400">
+              <a:lnSpc>
+                <a:spcPct val="81000"/>
+              </a:lnSpc>
+              <a:buClr>
+                <a:srgbClr val="D92C27"/>
+              </a:buClr>
+              <a:buSzPct val="100000"/>
+              <a:buAutoNum type="arabicPeriod" startAt="1"/>
+              <a:defRPr sz="4400"/>
+            </a:pPr>
+            <a:r>
+              <a:t>Cloth</a:t>
+            </a:r>
+          </a:p>
+          <a:p>
+            <a:pPr marL="914400" indent="-914400">
+              <a:lnSpc>
+                <a:spcPct val="81000"/>
+              </a:lnSpc>
+              <a:buClr>
+                <a:srgbClr val="D92C27"/>
+              </a:buClr>
+              <a:buSzPct val="100000"/>
+              <a:buAutoNum type="arabicPeriod" startAt="1"/>
+              <a:defRPr sz="4400"/>
+            </a:pPr>
+            <a:r>
+              <a:t>Nutrion</a:t>
+            </a:r>
+          </a:p>
+          <a:p>
+            <a:pPr lvl="1" marL="1143000" indent="-914400">
+              <a:lnSpc>
+                <a:spcPct val="81000"/>
+              </a:lnSpc>
+              <a:buClr>
+                <a:srgbClr val="D92C27"/>
+              </a:buClr>
+              <a:buAutoNum type="arabicPeriod" startAt="1"/>
+              <a:defRPr sz="4400"/>
+            </a:pPr>
+            <a:r>
+              <a:t>Gel</a:t>
+            </a:r>
+          </a:p>
+          <a:p>
+            <a:pPr lvl="1" marL="1143000" indent="-914400">
+              <a:lnSpc>
+                <a:spcPct val="81000"/>
+              </a:lnSpc>
+              <a:buClr>
+                <a:srgbClr val="D92C27"/>
+              </a:buClr>
+              <a:buAutoNum type="arabicPeriod" startAt="1"/>
+              <a:defRPr sz="4400"/>
+            </a:pPr>
+            <a:r>
+              <a:t>Muối</a:t>
             </a:r>
           </a:p>
         </p:txBody>
@@ -5787,7 +6071,115 @@
       </p:grpSpPr>
       <p:sp>
         <p:nvSpPr>
-          <p:cNvPr id="236" name="Footer Placeholder 3"/>
+          <p:cNvPr id="240" name="PACT"/>
+          <p:cNvSpPr txBox="1"/>
+          <p:nvPr>
+            <p:ph type="title"/>
+          </p:nvPr>
+        </p:nvSpPr>
+        <p:spPr>
+          <a:xfrm>
+            <a:off x="1249680" y="1158238"/>
+            <a:ext cx="19816490" cy="2401575"/>
+          </a:xfrm>
+          <a:prstGeom prst="rect">
+            <a:avLst/>
+          </a:prstGeom>
+        </p:spPr>
+        <p:txBody>
+          <a:bodyPr/>
+          <a:lstStyle/>
+          <a:p>
+            <a:pPr/>
+            <a:r>
+              <a:t>Open questions</a:t>
+            </a:r>
+          </a:p>
+        </p:txBody>
+      </p:sp>
+      <p:sp>
+        <p:nvSpPr>
+          <p:cNvPr id="241" name="-  Contract testing…"/>
+          <p:cNvSpPr txBox="1"/>
+          <p:nvPr>
+            <p:ph type="body" sz="half" idx="1"/>
+          </p:nvPr>
+        </p:nvSpPr>
+        <p:spPr>
+          <a:xfrm>
+            <a:off x="1762211" y="3816375"/>
+            <a:ext cx="12683533" cy="8624704"/>
+          </a:xfrm>
+          <a:prstGeom prst="rect">
+            <a:avLst/>
+          </a:prstGeom>
+        </p:spPr>
+        <p:txBody>
+          <a:bodyPr/>
+          <a:lstStyle/>
+          <a:p>
+            <a:pPr marL="914400" indent="-914400">
+              <a:lnSpc>
+                <a:spcPct val="81000"/>
+              </a:lnSpc>
+              <a:buClr>
+                <a:srgbClr val="D92C27"/>
+              </a:buClr>
+              <a:buSzPct val="100000"/>
+              <a:buAutoNum type="arabicPeriod" startAt="1"/>
+              <a:defRPr sz="4400"/>
+            </a:pPr>
+            <a:r>
+              <a:t>Heart rate always high?</a:t>
+            </a:r>
+          </a:p>
+          <a:p>
+            <a:pPr marL="914400" indent="-914400">
+              <a:lnSpc>
+                <a:spcPct val="81000"/>
+              </a:lnSpc>
+              <a:buClr>
+                <a:srgbClr val="D92C27"/>
+              </a:buClr>
+              <a:buSzPct val="100000"/>
+              <a:buAutoNum type="arabicPeriod" startAt="1"/>
+              <a:defRPr sz="4400"/>
+            </a:pPr>
+            <a:r>
+              <a:t>What is the right form?</a:t>
+            </a:r>
+          </a:p>
+        </p:txBody>
+      </p:sp>
+    </p:spTree>
+  </p:cSld>
+  <p:clrMapOvr>
+    <a:masterClrMapping/>
+  </p:clrMapOvr>
+  <p:transition xmlns:p14="http://schemas.microsoft.com/office/powerpoint/2010/main" spd="med" advClick="1"/>
+</p:sld>
+</file>
+
+<file path=ppt/slides/slide15.xml><?xml version="1.0" encoding="utf-8"?>
+<p:sld xmlns:a="http://schemas.openxmlformats.org/drawingml/2006/main" xmlns:r="http://schemas.openxmlformats.org/officeDocument/2006/relationships" xmlns:p="http://schemas.openxmlformats.org/presentationml/2006/main" xmlns:m="http://schemas.openxmlformats.org/officeDocument/2006/math" xmlns:a14="http://schemas.microsoft.com/office/drawing/2010/main" showMasterSp="1" showMasterPhAnim="1">
+  <p:cSld>
+    <p:spTree>
+      <p:nvGrpSpPr>
+        <p:cNvPr id="1" name=""/>
+        <p:cNvGrpSpPr/>
+        <p:nvPr/>
+      </p:nvGrpSpPr>
+      <p:grpSpPr>
+        <a:xfrm>
+          <a:off x="0" y="0"/>
+          <a:ext cx="0" cy="0"/>
+          <a:chOff x="0" y="0"/>
+          <a:chExt cx="0" cy="0"/>
+        </a:xfrm>
+      </p:grpSpPr>
+      <p:sp>
+        <p:nvSpPr>
+          <p:cNvPr id="243" name="Footer Placeholder 3"/>
           <p:cNvSpPr txBox="1"/>
           <p:nvPr>
             <p:ph type="sldNum" sz="quarter" idx="4294967295"/>
@@ -5827,7 +6219,7 @@
       </p:sp>
       <p:sp>
         <p:nvSpPr>
-          <p:cNvPr id="237" name="Text Placeholder 3"/>
+          <p:cNvPr id="244" name="Text Placeholder 3"/>
           <p:cNvSpPr txBox="1"/>
           <p:nvPr>
             <p:ph type="body" sz="half" idx="1"/>
@@ -6614,95 +7006,182 @@
           <a:bodyPr/>
           <a:lstStyle/>
           <a:p>
-            <a:pPr marL="685800" indent="-685800">
+            <a:pPr marL="617219" indent="-617219" defTabSz="1645919">
+              <a:spcBef>
+                <a:spcPts val="1800"/>
+              </a:spcBef>
               <a:buClr>
                 <a:srgbClr val="D92C27"/>
               </a:buClr>
               <a:buSzPct val="100000"/>
               <a:buFont typeface="Arial"/>
               <a:buChar char="•"/>
-              <a:defRPr sz="4400"/>
+              <a:defRPr sz="3959"/>
             </a:pPr>
             <a:r>
               <a:t>Pace</a:t>
             </a:r>
           </a:p>
           <a:p>
-            <a:pPr marL="685800" indent="-685800">
+            <a:pPr marL="617219" indent="-617219" defTabSz="1645919">
+              <a:spcBef>
+                <a:spcPts val="1800"/>
+              </a:spcBef>
               <a:buClr>
                 <a:srgbClr val="D92C27"/>
               </a:buClr>
               <a:buSzPct val="100000"/>
               <a:buFont typeface="Arial"/>
               <a:buChar char="•"/>
-              <a:defRPr sz="4400"/>
-            </a:pPr>
-          </a:p>
-          <a:p>
-            <a:pPr marL="685800" indent="-685800">
+              <a:defRPr sz="3959"/>
+            </a:pPr>
+            <a:r>
+              <a:t>Heart Rate(AVG/MAX)</a:t>
+            </a:r>
+          </a:p>
+          <a:p>
+            <a:pPr marL="617219" indent="-617219" defTabSz="1645919">
+              <a:spcBef>
+                <a:spcPts val="1800"/>
+              </a:spcBef>
               <a:buClr>
                 <a:srgbClr val="D92C27"/>
               </a:buClr>
               <a:buSzPct val="100000"/>
               <a:buFont typeface="Arial"/>
               <a:buChar char="•"/>
-              <a:defRPr sz="4400"/>
+              <a:defRPr sz="3959"/>
             </a:pPr>
             <a:r>
               <a:t>Cadence</a:t>
             </a:r>
           </a:p>
           <a:p>
-            <a:pPr marL="685800" indent="-685800">
+            <a:pPr marL="617219" indent="-617219" defTabSz="1645919">
+              <a:spcBef>
+                <a:spcPts val="1800"/>
+              </a:spcBef>
               <a:buClr>
                 <a:srgbClr val="D92C27"/>
               </a:buClr>
               <a:buSzPct val="100000"/>
               <a:buFont typeface="Arial"/>
               <a:buChar char="•"/>
-              <a:defRPr sz="4400"/>
-            </a:pPr>
-          </a:p>
-          <a:p>
-            <a:pPr marL="685800" indent="-685800">
+              <a:defRPr sz="3959"/>
+            </a:pPr>
+          </a:p>
+          <a:p>
+            <a:pPr marL="617219" indent="-617219" defTabSz="1645919">
+              <a:spcBef>
+                <a:spcPts val="1800"/>
+              </a:spcBef>
               <a:buClr>
                 <a:srgbClr val="D92C27"/>
               </a:buClr>
               <a:buSzPct val="100000"/>
               <a:buFont typeface="Arial"/>
               <a:buChar char="•"/>
-              <a:defRPr sz="4400"/>
+              <a:defRPr sz="3959"/>
             </a:pPr>
             <a:r>
               <a:t>Time</a:t>
             </a:r>
           </a:p>
           <a:p>
-            <a:pPr lvl="1" marL="914400" indent="-685800">
+            <a:pPr lvl="1" marL="822959" indent="-617219" defTabSz="1645919">
+              <a:spcBef>
+                <a:spcPts val="1800"/>
+              </a:spcBef>
               <a:buClr>
                 <a:srgbClr val="D92C27"/>
               </a:buClr>
               <a:buFont typeface="Arial"/>
-              <a:defRPr sz="4400"/>
+              <a:defRPr sz="3959"/>
             </a:pPr>
             <a:r>
               <a:t>Moving</a:t>
             </a:r>
           </a:p>
           <a:p>
-            <a:pPr lvl="1" marL="914400" indent="-685800">
+            <a:pPr lvl="1" marL="822959" indent="-617219" defTabSz="1645919">
+              <a:spcBef>
+                <a:spcPts val="1800"/>
+              </a:spcBef>
               <a:buClr>
                 <a:srgbClr val="D92C27"/>
               </a:buClr>
               <a:buFont typeface="Arial"/>
-              <a:defRPr sz="4400"/>
+              <a:defRPr sz="3959"/>
             </a:pPr>
             <a:r>
               <a:t>Elapsed</a:t>
+            </a:r>
+          </a:p>
+          <a:p>
+            <a:pPr marL="617219" indent="-617219" defTabSz="1645919">
+              <a:spcBef>
+                <a:spcPts val="1800"/>
+              </a:spcBef>
+              <a:buClr>
+                <a:srgbClr val="D92C27"/>
+              </a:buClr>
+              <a:buSzPct val="100000"/>
+              <a:buFont typeface="Arial"/>
+              <a:buChar char="•"/>
+              <a:defRPr sz="3959"/>
+            </a:pPr>
+            <a:r>
+              <a:t>VO2 MAx</a:t>
+            </a:r>
+          </a:p>
+          <a:p>
+            <a:pPr marL="617219" indent="-617219" defTabSz="1645919">
+              <a:spcBef>
+                <a:spcPts val="1800"/>
+              </a:spcBef>
+              <a:buClr>
+                <a:srgbClr val="D92C27"/>
+              </a:buClr>
+              <a:buSzPct val="100000"/>
+              <a:buFont typeface="Arial"/>
+              <a:buChar char="•"/>
+              <a:defRPr sz="3959"/>
+            </a:pPr>
+            <a:r>
+              <a:t>Categories</a:t>
             </a:r>
           </a:p>
         </p:txBody>
       </p:sp>
+      <p:pic>
+        <p:nvPicPr>
+          <p:cNvPr id="206" name="Image" descr="Image"/>
+          <p:cNvPicPr>
+            <a:picLocks noChangeAspect="1"/>
+          </p:cNvPicPr>
+          <p:nvPr/>
+        </p:nvPicPr>
+        <p:blipFill>
+          <a:blip r:embed="rId2">
+            <a:extLst/>
+          </a:blip>
+          <a:stretch>
+            <a:fillRect/>
+          </a:stretch>
+        </p:blipFill>
+        <p:spPr>
+          <a:xfrm>
+            <a:off x="11090747" y="3413208"/>
+            <a:ext cx="11112501" cy="7505701"/>
+          </a:xfrm>
+          <a:prstGeom prst="rect">
+            <a:avLst/>
+          </a:prstGeom>
+          <a:ln w="12700">
+            <a:miter lim="400000"/>
+          </a:ln>
+        </p:spPr>
+      </p:pic>
     </p:spTree>
   </p:cSld>
   <p:clrMapOvr>
@@ -6731,7 +7210,7 @@
       </p:grpSpPr>
       <p:sp>
         <p:nvSpPr>
-          <p:cNvPr id="207" name="Footer Placeholder 3"/>
+          <p:cNvPr id="208" name="Footer Placeholder 3"/>
           <p:cNvSpPr txBox="1"/>
           <p:nvPr>
             <p:ph type="sldNum" sz="quarter" idx="4294967295"/>
@@ -6771,7 +7250,7 @@
       </p:sp>
       <p:sp>
         <p:nvSpPr>
-          <p:cNvPr id="208" name="Title 4"/>
+          <p:cNvPr id="209" name="Title 4"/>
           <p:cNvSpPr txBox="1"/>
           <p:nvPr>
             <p:ph type="title"/>
@@ -6803,7 +7282,7 @@
       </p:sp>
       <p:sp>
         <p:nvSpPr>
-          <p:cNvPr id="209" name="Content Placeholder 5"/>
+          <p:cNvPr id="210" name="Content Placeholder 5"/>
           <p:cNvSpPr txBox="1"/>
           <p:nvPr>
             <p:ph type="body" idx="1"/>
@@ -6854,7 +7333,7 @@
               <a:defRPr sz="4400"/>
             </a:pPr>
             <a:r>
-              <a:t>Stride</a:t>
+              <a:t>Heart rate</a:t>
             </a:r>
           </a:p>
           <a:p>
@@ -6867,6 +7346,9 @@
               <a:buChar char="•"/>
               <a:defRPr sz="4400"/>
             </a:pPr>
+            <a:r>
+              <a:t>Stride</a:t>
+            </a:r>
           </a:p>
           <a:p>
             <a:pPr marL="685800" indent="-685800">
@@ -6881,17 +7363,6 @@
             <a:r>
               <a:t>Oscillation</a:t>
             </a:r>
-          </a:p>
-          <a:p>
-            <a:pPr marL="685800" indent="-685800">
-              <a:buClr>
-                <a:srgbClr val="D92C27"/>
-              </a:buClr>
-              <a:buSzPct val="100000"/>
-              <a:buFont typeface="Arial"/>
-              <a:buChar char="•"/>
-              <a:defRPr sz="4400"/>
-            </a:pPr>
           </a:p>
           <a:p>
             <a:pPr marL="685800" indent="-685800">
@@ -6937,7 +7408,7 @@
       </p:grpSpPr>
       <p:sp>
         <p:nvSpPr>
-          <p:cNvPr id="211" name="SHOOL API PROJECT"/>
+          <p:cNvPr id="212" name="SHOOL API PROJECT"/>
           <p:cNvSpPr txBox="1"/>
           <p:nvPr>
             <p:ph type="title"/>
@@ -6965,7 +7436,7 @@
       </p:sp>
       <p:sp>
         <p:nvSpPr>
-          <p:cNvPr id="212" name="- Modules:…"/>
+          <p:cNvPr id="213" name="- Modules:…"/>
           <p:cNvSpPr txBox="1"/>
           <p:nvPr>
             <p:ph type="body" idx="1"/>
@@ -6974,7 +7445,7 @@
         <p:spPr>
           <a:xfrm>
             <a:off x="1787610" y="3865502"/>
-            <a:ext cx="20808778" cy="7787155"/>
+            <a:ext cx="20808778" cy="9556351"/>
           </a:xfrm>
           <a:prstGeom prst="rect">
             <a:avLst/>
@@ -6984,9 +7455,9 @@
           <a:bodyPr/>
           <a:lstStyle/>
           <a:p>
-            <a:pPr marL="473201" indent="-473201" defTabSz="1261872">
-              <a:spcBef>
-                <a:spcPts val="1300"/>
+            <a:pPr marL="562355" indent="-562355" defTabSz="1499616">
+              <a:spcBef>
+                <a:spcPts val="1600"/>
               </a:spcBef>
               <a:buClr>
                 <a:srgbClr val="D92C27"/>
@@ -6994,13 +7465,13 @@
               <a:buSzPct val="100000"/>
               <a:buFont typeface="Arial"/>
               <a:buChar char="•"/>
-              <a:defRPr sz="3036"/>
-            </a:pPr>
-          </a:p>
-          <a:p>
-            <a:pPr marL="473201" indent="-473201" defTabSz="1261872">
-              <a:spcBef>
-                <a:spcPts val="1300"/>
+              <a:defRPr sz="3607"/>
+            </a:pPr>
+          </a:p>
+          <a:p>
+            <a:pPr marL="562355" indent="-562355" defTabSz="1499616">
+              <a:spcBef>
+                <a:spcPts val="1600"/>
               </a:spcBef>
               <a:buClr>
                 <a:srgbClr val="D92C27"/>
@@ -7008,183 +7479,111 @@
               <a:buSzPct val="100000"/>
               <a:buFont typeface="Arial"/>
               <a:buChar char="•"/>
-              <a:defRPr sz="3036"/>
+              <a:defRPr sz="3607"/>
             </a:pPr>
             <a:r>
               <a:t>Head</a:t>
             </a:r>
           </a:p>
           <a:p>
-            <a:pPr marL="473201" indent="-473201" defTabSz="1261872">
-              <a:spcBef>
-                <a:spcPts val="1300"/>
-              </a:spcBef>
-              <a:buClr>
-                <a:srgbClr val="D92C27"/>
-              </a:buClr>
-              <a:buSzPct val="100000"/>
-              <a:buFont typeface="Arial"/>
-              <a:buChar char="•"/>
-              <a:defRPr sz="3036"/>
-            </a:pPr>
-          </a:p>
-          <a:p>
-            <a:pPr marL="473201" indent="-473201" defTabSz="1261872">
-              <a:spcBef>
-                <a:spcPts val="1300"/>
-              </a:spcBef>
-              <a:buClr>
-                <a:srgbClr val="D92C27"/>
-              </a:buClr>
-              <a:buSzPct val="100000"/>
-              <a:buFont typeface="Arial"/>
-              <a:buChar char="•"/>
-              <a:defRPr sz="3036"/>
-            </a:pPr>
-            <a:r>
-              <a:t>Landing Foot</a:t>
-            </a:r>
-          </a:p>
-          <a:p>
-            <a:pPr marL="473201" indent="-473201" defTabSz="1261872">
-              <a:spcBef>
-                <a:spcPts val="1300"/>
-              </a:spcBef>
-              <a:buClr>
-                <a:srgbClr val="D92C27"/>
-              </a:buClr>
-              <a:buSzPct val="100000"/>
-              <a:buFont typeface="Arial"/>
-              <a:buChar char="•"/>
-              <a:defRPr sz="3036"/>
-            </a:pPr>
-          </a:p>
-          <a:p>
-            <a:pPr marL="473201" indent="-473201" defTabSz="1261872">
-              <a:spcBef>
-                <a:spcPts val="1300"/>
-              </a:spcBef>
-              <a:buClr>
-                <a:srgbClr val="D92C27"/>
-              </a:buClr>
-              <a:buSzPct val="100000"/>
-              <a:buFont typeface="Arial"/>
-              <a:buChar char="•"/>
-              <a:defRPr sz="3036"/>
-            </a:pPr>
-            <a:r>
-              <a:t>Hand</a:t>
-            </a:r>
-          </a:p>
-          <a:p>
-            <a:pPr marL="473201" indent="-473201" defTabSz="1261872">
-              <a:spcBef>
-                <a:spcPts val="1300"/>
-              </a:spcBef>
-              <a:buClr>
-                <a:srgbClr val="D92C27"/>
-              </a:buClr>
-              <a:buSzPct val="100000"/>
-              <a:buFont typeface="Arial"/>
-              <a:buChar char="•"/>
-              <a:defRPr sz="3036"/>
-            </a:pPr>
-          </a:p>
-          <a:p>
-            <a:pPr marL="473201" indent="-473201" defTabSz="1261872">
-              <a:spcBef>
-                <a:spcPts val="1300"/>
-              </a:spcBef>
-              <a:buClr>
-                <a:srgbClr val="D92C27"/>
-              </a:buClr>
-              <a:buSzPct val="100000"/>
-              <a:buFont typeface="Arial"/>
-              <a:buChar char="•"/>
-              <a:defRPr sz="3036"/>
-            </a:pPr>
-            <a:r>
-              <a:t>Rhythm</a:t>
-            </a:r>
-          </a:p>
-          <a:p>
-            <a:pPr marL="473201" indent="-473201" defTabSz="1261872">
-              <a:spcBef>
-                <a:spcPts val="1300"/>
-              </a:spcBef>
-              <a:buClr>
-                <a:srgbClr val="D92C27"/>
-              </a:buClr>
-              <a:buSzPct val="100000"/>
-              <a:buFont typeface="Arial"/>
-              <a:buChar char="•"/>
-              <a:defRPr sz="3036"/>
-            </a:pPr>
-          </a:p>
-          <a:p>
-            <a:pPr marL="473201" indent="-473201" defTabSz="1261872">
-              <a:spcBef>
-                <a:spcPts val="1300"/>
-              </a:spcBef>
-              <a:buClr>
-                <a:srgbClr val="D92C27"/>
-              </a:buClr>
-              <a:buSzPct val="100000"/>
-              <a:buFont typeface="Arial"/>
-              <a:buChar char="•"/>
-              <a:defRPr sz="3036"/>
-            </a:pPr>
-            <a:r>
-              <a:t>Đều</a:t>
-            </a:r>
-          </a:p>
-          <a:p>
-            <a:pPr lvl="1" marL="630936" indent="-473201" defTabSz="1261872">
-              <a:spcBef>
-                <a:spcPts val="1300"/>
+            <a:pPr lvl="1" marL="749808" indent="-562355" defTabSz="1499616">
+              <a:spcBef>
+                <a:spcPts val="1600"/>
               </a:spcBef>
               <a:buClr>
                 <a:srgbClr val="D92C27"/>
               </a:buClr>
               <a:buFont typeface="Arial"/>
-              <a:defRPr sz="3036"/>
-            </a:pPr>
-            <a:r>
-              <a:t>Pace: Focus on </a:t>
-            </a:r>
-          </a:p>
-          <a:p>
-            <a:pPr lvl="1" marL="630936" indent="-473201" defTabSz="1261872">
-              <a:spcBef>
-                <a:spcPts val="1300"/>
+              <a:defRPr sz="3607"/>
+            </a:pPr>
+          </a:p>
+          <a:p>
+            <a:pPr lvl="1" marL="749808" indent="-562355" defTabSz="1499616">
+              <a:spcBef>
+                <a:spcPts val="1600"/>
               </a:spcBef>
               <a:buClr>
                 <a:srgbClr val="D92C27"/>
               </a:buClr>
               <a:buFont typeface="Arial"/>
-              <a:defRPr sz="3036"/>
-            </a:pPr>
-            <a:r>
-              <a:t>Cadene: 180</a:t>
-            </a:r>
-          </a:p>
-          <a:p>
-            <a:pPr lvl="1" marL="630936" indent="-473201" defTabSz="1261872">
-              <a:spcBef>
-                <a:spcPts val="1300"/>
+              <a:defRPr sz="3607"/>
+            </a:pPr>
+            <a:r>
+              <a:t>Landing Foot</a:t>
+            </a:r>
+          </a:p>
+          <a:p>
+            <a:pPr lvl="1" marL="749808" indent="-562355" defTabSz="1499616">
+              <a:spcBef>
+                <a:spcPts val="1600"/>
               </a:spcBef>
               <a:buClr>
                 <a:srgbClr val="D92C27"/>
               </a:buClr>
               <a:buFont typeface="Arial"/>
-              <a:defRPr sz="3036"/>
-            </a:pPr>
-            <a:r>
-              <a:t>Breath: 2/2</a:t>
-            </a:r>
+              <a:defRPr sz="3607"/>
+            </a:pPr>
           </a:p>
         </p:txBody>
       </p:sp>
+      <p:pic>
+        <p:nvPicPr>
+          <p:cNvPr id="214" name="Image" descr="Image"/>
+          <p:cNvPicPr>
+            <a:picLocks noChangeAspect="1"/>
+          </p:cNvPicPr>
+          <p:nvPr/>
+        </p:nvPicPr>
+        <p:blipFill>
+          <a:blip r:embed="rId2">
+            <a:extLst/>
+          </a:blip>
+          <a:stretch>
+            <a:fillRect/>
+          </a:stretch>
+        </p:blipFill>
+        <p:spPr>
+          <a:xfrm>
+            <a:off x="1787610" y="3865502"/>
+            <a:ext cx="7310416" cy="4093834"/>
+          </a:xfrm>
+          <a:prstGeom prst="rect">
+            <a:avLst/>
+          </a:prstGeom>
+          <a:ln w="12700">
+            <a:miter lim="400000"/>
+          </a:ln>
+        </p:spPr>
+      </p:pic>
+      <p:pic>
+        <p:nvPicPr>
+          <p:cNvPr id="215" name="Image" descr="Image"/>
+          <p:cNvPicPr>
+            <a:picLocks noChangeAspect="1"/>
+          </p:cNvPicPr>
+          <p:nvPr/>
+        </p:nvPicPr>
+        <p:blipFill>
+          <a:blip r:embed="rId3">
+            <a:extLst/>
+          </a:blip>
+          <a:stretch>
+            <a:fillRect/>
+          </a:stretch>
+        </p:blipFill>
+        <p:spPr>
+          <a:xfrm>
+            <a:off x="1787610" y="3865502"/>
+            <a:ext cx="2857501" cy="2857501"/>
+          </a:xfrm>
+          <a:prstGeom prst="rect">
+            <a:avLst/>
+          </a:prstGeom>
+          <a:ln w="12700">
+            <a:miter lim="400000"/>
+          </a:ln>
+        </p:spPr>
+      </p:pic>
     </p:spTree>
   </p:cSld>
   <p:clrMapOvr>
@@ -7213,7 +7612,7 @@
       </p:grpSpPr>
       <p:sp>
         <p:nvSpPr>
-          <p:cNvPr id="214" name="Project Structure"/>
+          <p:cNvPr id="217" name="SHOOL API PROJECT"/>
           <p:cNvSpPr txBox="1"/>
           <p:nvPr>
             <p:ph type="title"/>
@@ -7222,7 +7621,7 @@
         <p:spPr>
           <a:xfrm>
             <a:off x="1280160" y="1158238"/>
-            <a:ext cx="19825184" cy="2401575"/>
+            <a:ext cx="19825184" cy="2401574"/>
           </a:xfrm>
           <a:prstGeom prst="rect">
             <a:avLst/>
@@ -7234,14 +7633,14 @@
           <a:p>
             <a:pPr/>
             <a:r>
-              <a:t>Planning</a:t>
+              <a:t>How to run</a:t>
             </a:r>
           </a:p>
         </p:txBody>
       </p:sp>
       <p:sp>
         <p:nvSpPr>
-          <p:cNvPr id="215" name="- Module…"/>
+          <p:cNvPr id="218" name="- Modules:…"/>
           <p:cNvSpPr txBox="1"/>
           <p:nvPr>
             <p:ph type="body" idx="1"/>
@@ -7249,8 +7648,8 @@
         </p:nvSpPr>
         <p:spPr>
           <a:xfrm>
-            <a:off x="1787614" y="4251823"/>
-            <a:ext cx="20808772" cy="7061560"/>
+            <a:off x="1787610" y="3865502"/>
+            <a:ext cx="20808778" cy="7787155"/>
           </a:xfrm>
           <a:prstGeom prst="rect">
             <a:avLst/>
@@ -7260,97 +7659,101 @@
           <a:bodyPr/>
           <a:lstStyle/>
           <a:p>
-            <a:pPr defTabSz="1755647">
-              <a:spcBef>
-                <a:spcPts val="1900"/>
-              </a:spcBef>
-              <a:defRPr sz="4608"/>
-            </a:pPr>
-            <a:r>
-              <a:t>- Focus on volume of the week not pace</a:t>
-            </a:r>
-          </a:p>
-          <a:p>
-            <a:pPr defTabSz="1755647">
-              <a:spcBef>
-                <a:spcPts val="1900"/>
-              </a:spcBef>
-              <a:defRPr sz="4608"/>
-            </a:pPr>
-            <a:r>
-              <a:t>- Running plan Base on? </a:t>
-            </a:r>
-          </a:p>
-          <a:p>
-            <a:pPr defTabSz="1755647">
-              <a:spcBef>
-                <a:spcPts val="1900"/>
-              </a:spcBef>
-              <a:defRPr sz="4608"/>
-            </a:pPr>
-            <a:r>
-              <a:t>   + Heart Rate</a:t>
-            </a:r>
-          </a:p>
-          <a:p>
-            <a:pPr defTabSz="1755647">
-              <a:spcBef>
-                <a:spcPts val="1900"/>
-              </a:spcBef>
-              <a:defRPr sz="4608"/>
-            </a:pPr>
-            <a:r>
-              <a:t>    + Power(W)</a:t>
-            </a:r>
-          </a:p>
-          <a:p>
-            <a:pPr defTabSz="1755647">
-              <a:spcBef>
-                <a:spcPts val="1900"/>
-              </a:spcBef>
-              <a:defRPr sz="4608"/>
-            </a:pPr>
-            <a:r>
-              <a:t>- How many type of running</a:t>
-            </a:r>
-          </a:p>
-          <a:p>
-            <a:pPr lvl="1" marL="0" indent="658368" defTabSz="1755647">
-              <a:spcBef>
-                <a:spcPts val="1900"/>
-              </a:spcBef>
-              <a:buSzTx/>
-              <a:buNone/>
-              <a:defRPr sz="4608"/>
-            </a:pPr>
-            <a:r>
-              <a:t>+ Easy(60%)</a:t>
-            </a:r>
-          </a:p>
-          <a:p>
-            <a:pPr lvl="1" marL="0" indent="658368" defTabSz="1755647">
-              <a:spcBef>
-                <a:spcPts val="1900"/>
-              </a:spcBef>
-              <a:buSzTx/>
-              <a:buNone/>
-              <a:defRPr sz="4608"/>
-            </a:pPr>
-            <a:r>
-              <a:t>+ Tempo(80%)</a:t>
-            </a:r>
-          </a:p>
-          <a:p>
-            <a:pPr lvl="1" marL="0" indent="658368" defTabSz="1755647">
-              <a:spcBef>
-                <a:spcPts val="1900"/>
-              </a:spcBef>
-              <a:buSzTx/>
-              <a:buNone/>
-              <a:defRPr sz="4608"/>
-            </a:pPr>
-            <a:r>
-              <a:t>+ Interval(105% Heart rate) </a:t>
+            <a:pPr marL="685800" indent="-685800">
+              <a:buClr>
+                <a:srgbClr val="D92C27"/>
+              </a:buClr>
+              <a:buSzPct val="100000"/>
+              <a:buFont typeface="Arial"/>
+              <a:buChar char="•"/>
+              <a:defRPr sz="4400"/>
+            </a:pPr>
+          </a:p>
+          <a:p>
+            <a:pPr marL="685800" indent="-685800">
+              <a:buClr>
+                <a:srgbClr val="D92C27"/>
+              </a:buClr>
+              <a:buSzPct val="100000"/>
+              <a:buFont typeface="Arial"/>
+              <a:buChar char="•"/>
+              <a:defRPr sz="4400"/>
+            </a:pPr>
+          </a:p>
+          <a:p>
+            <a:pPr marL="685800" indent="-685800">
+              <a:buClr>
+                <a:srgbClr val="D92C27"/>
+              </a:buClr>
+              <a:buSzPct val="100000"/>
+              <a:buFont typeface="Arial"/>
+              <a:buChar char="•"/>
+              <a:defRPr sz="4400"/>
+            </a:pPr>
+            <a:r>
+              <a:t>Rhythm</a:t>
+            </a:r>
+          </a:p>
+          <a:p>
+            <a:pPr lvl="1" marL="914400" indent="-685800">
+              <a:buClr>
+                <a:srgbClr val="D92C27"/>
+              </a:buClr>
+              <a:buFont typeface="Arial"/>
+              <a:defRPr sz="4400"/>
+            </a:pPr>
+            <a:r>
+              <a:t>https://www.youtube.com/shorts/DmM7ZXCnN7o</a:t>
+            </a:r>
+          </a:p>
+          <a:p>
+            <a:pPr marL="685800" indent="-685800">
+              <a:buClr>
+                <a:srgbClr val="D92C27"/>
+              </a:buClr>
+              <a:buSzPct val="100000"/>
+              <a:buFont typeface="Arial"/>
+              <a:buChar char="•"/>
+              <a:defRPr sz="4400"/>
+            </a:pPr>
+            <a:r>
+              <a:t>Đều</a:t>
+            </a:r>
+          </a:p>
+          <a:p>
+            <a:pPr lvl="1" marL="914400" indent="-685800">
+              <a:buClr>
+                <a:srgbClr val="D92C27"/>
+              </a:buClr>
+              <a:buFont typeface="Arial"/>
+              <a:defRPr sz="4400"/>
+            </a:pPr>
+            <a:r>
+              <a:t>Pace: Focus on </a:t>
+            </a:r>
+          </a:p>
+          <a:p>
+            <a:pPr lvl="1" marL="914400" indent="-685800">
+              <a:buClr>
+                <a:srgbClr val="D92C27"/>
+              </a:buClr>
+              <a:buFont typeface="Arial"/>
+              <a:defRPr sz="4400"/>
+            </a:pPr>
+            <a:r>
+              <a:t>Cadene: 180</a:t>
+            </a:r>
+          </a:p>
+          <a:p>
+            <a:pPr lvl="1" marL="914400" indent="-685800">
+              <a:buClr>
+                <a:srgbClr val="D92C27"/>
+              </a:buClr>
+              <a:buFont typeface="Arial"/>
+              <a:defRPr sz="4400"/>
+            </a:pPr>
+            <a:r>
+              <a:t>Breath: 2/2</a:t>
             </a:r>
           </a:p>
         </p:txBody>
@@ -7383,7 +7786,7 @@
       </p:grpSpPr>
       <p:sp>
         <p:nvSpPr>
-          <p:cNvPr id="217" name="Project Structure"/>
+          <p:cNvPr id="220" name="Project Structure"/>
           <p:cNvSpPr txBox="1"/>
           <p:nvPr>
             <p:ph type="title"/>
@@ -7392,7 +7795,7 @@
         <p:spPr>
           <a:xfrm>
             <a:off x="1280160" y="1158238"/>
-            <a:ext cx="19825184" cy="2401574"/>
+            <a:ext cx="19825184" cy="2401575"/>
           </a:xfrm>
           <a:prstGeom prst="rect">
             <a:avLst/>
@@ -7411,7 +7814,7 @@
       </p:sp>
       <p:sp>
         <p:nvSpPr>
-          <p:cNvPr id="218" name="- Module…"/>
+          <p:cNvPr id="221" name="- Module…"/>
           <p:cNvSpPr txBox="1"/>
           <p:nvPr>
             <p:ph type="body" idx="1"/>
@@ -7437,7 +7840,7 @@
               <a:defRPr sz="4608"/>
             </a:pPr>
             <a:r>
-              <a:t>Volume:</a:t>
+              <a:t>- Focus on volume of the week not pace</a:t>
             </a:r>
           </a:p>
           <a:p>
@@ -7448,73 +7851,79 @@
               <a:defRPr sz="4608"/>
             </a:pPr>
             <a:r>
-              <a:t>- Survice</a:t>
-            </a:r>
-          </a:p>
-          <a:p>
-            <a:pPr lvl="2" defTabSz="1755647">
+              <a:t>- Running plan Base on? </a:t>
+            </a:r>
+          </a:p>
+          <a:p>
+            <a:pPr defTabSz="1755647">
               <a:spcBef>
                 <a:spcPts val="1900"/>
               </a:spcBef>
               <a:defRPr sz="4608"/>
             </a:pPr>
             <a:r>
-              <a:t>      + 21km -&gt; 25km per week</a:t>
-            </a:r>
-          </a:p>
-          <a:p>
-            <a:pPr lvl="2" defTabSz="1755647">
+              <a:t>   + Heart Rate</a:t>
+            </a:r>
+          </a:p>
+          <a:p>
+            <a:pPr defTabSz="1755647">
               <a:spcBef>
                 <a:spcPts val="1900"/>
               </a:spcBef>
               <a:defRPr sz="4608"/>
             </a:pPr>
             <a:r>
-              <a:t>      + 10km long run</a:t>
-            </a:r>
-          </a:p>
-          <a:p>
-            <a:pPr lvl="2" defTabSz="1755647">
+              <a:t>    + Power(W)</a:t>
+            </a:r>
+          </a:p>
+          <a:p>
+            <a:pPr defTabSz="1755647">
               <a:spcBef>
                 <a:spcPts val="1900"/>
               </a:spcBef>
               <a:defRPr sz="4608"/>
             </a:pPr>
             <a:r>
-              <a:t>- Smoothly</a:t>
-            </a:r>
-          </a:p>
-          <a:p>
-            <a:pPr lvl="2" defTabSz="1755647">
+              <a:t>- How many type of running</a:t>
+            </a:r>
+          </a:p>
+          <a:p>
+            <a:pPr lvl="1" marL="0" indent="658368" defTabSz="1755647">
               <a:spcBef>
                 <a:spcPts val="1900"/>
               </a:spcBef>
+              <a:buSzTx/>
+              <a:buNone/>
               <a:defRPr sz="4608"/>
             </a:pPr>
             <a:r>
-              <a:t>+ 21km</a:t>
-            </a:r>
-          </a:p>
-          <a:p>
-            <a:pPr lvl="3" defTabSz="1755647">
+              <a:t>+ Easy(60%)</a:t>
+            </a:r>
+          </a:p>
+          <a:p>
+            <a:pPr lvl="1" marL="0" indent="658368" defTabSz="1755647">
               <a:spcBef>
                 <a:spcPts val="1900"/>
               </a:spcBef>
+              <a:buSzTx/>
+              <a:buNone/>
               <a:defRPr sz="4608"/>
             </a:pPr>
             <a:r>
-              <a:t>    + 15km long run continuesly</a:t>
-            </a:r>
-          </a:p>
-          <a:p>
-            <a:pPr lvl="3" defTabSz="1755647">
+              <a:t>+ Tempo(80%)</a:t>
+            </a:r>
+          </a:p>
+          <a:p>
+            <a:pPr lvl="1" marL="0" indent="658368" defTabSz="1755647">
               <a:spcBef>
                 <a:spcPts val="1900"/>
               </a:spcBef>
+              <a:buSzTx/>
+              <a:buNone/>
               <a:defRPr sz="4608"/>
             </a:pPr>
             <a:r>
-              <a:t>    + 30km per week</a:t>
+              <a:t>+ Interval(105% Heart rate) </a:t>
             </a:r>
           </a:p>
         </p:txBody>
@@ -7547,7 +7956,7 @@
       </p:grpSpPr>
       <p:sp>
         <p:nvSpPr>
-          <p:cNvPr id="220" name="Project Structure"/>
+          <p:cNvPr id="223" name="Project Structure"/>
           <p:cNvSpPr txBox="1"/>
           <p:nvPr>
             <p:ph type="title"/>
@@ -7575,7 +7984,7 @@
       </p:sp>
       <p:sp>
         <p:nvSpPr>
-          <p:cNvPr id="221" name="- Module…"/>
+          <p:cNvPr id="224" name="- Module…"/>
           <p:cNvSpPr txBox="1"/>
           <p:nvPr>
             <p:ph type="body" idx="1"/>
@@ -7594,140 +8003,91 @@
           <a:bodyPr/>
           <a:lstStyle/>
           <a:p>
-            <a:pPr defTabSz="1152144">
-              <a:spcBef>
-                <a:spcPts val="1200"/>
-              </a:spcBef>
-              <a:defRPr sz="3024"/>
+            <a:pPr defTabSz="1755647">
+              <a:spcBef>
+                <a:spcPts val="1900"/>
+              </a:spcBef>
+              <a:defRPr sz="4608"/>
             </a:pPr>
             <a:r>
               <a:t>Volume:</a:t>
             </a:r>
           </a:p>
           <a:p>
-            <a:pPr defTabSz="1152144">
-              <a:spcBef>
-                <a:spcPts val="1200"/>
-              </a:spcBef>
-              <a:defRPr sz="3024"/>
-            </a:pPr>
-            <a:r>
-              <a:t>- Pace calculater:</a:t>
-            </a:r>
-          </a:p>
-          <a:p>
-            <a:pPr lvl="1" marL="0" indent="432054" defTabSz="1152144">
-              <a:spcBef>
-                <a:spcPts val="1200"/>
-              </a:spcBef>
-              <a:buSzTx/>
-              <a:buNone/>
-              <a:defRPr sz="3024"/>
-            </a:pPr>
-            <a:r>
-              <a:t>+ Run 2,3 km</a:t>
-            </a:r>
-          </a:p>
-          <a:p>
-            <a:pPr lvl="1" marL="0" indent="432054" defTabSz="1152144">
-              <a:spcBef>
-                <a:spcPts val="1200"/>
-              </a:spcBef>
-              <a:buSzTx/>
-              <a:buNone/>
-              <a:defRPr sz="3024"/>
-            </a:pPr>
-            <a:r>
-              <a:t>+ Go to cal culatẻ</a:t>
-            </a:r>
-          </a:p>
-          <a:p>
-            <a:pPr defTabSz="1152144">
-              <a:spcBef>
-                <a:spcPts val="1200"/>
-              </a:spcBef>
-              <a:defRPr sz="3024"/>
-            </a:pPr>
-            <a:r>
-              <a:t>- For beginner : 0 -&gt; 20km per week</a:t>
-            </a:r>
-          </a:p>
-          <a:p>
-            <a:pPr lvl="1" marL="0" indent="432054" defTabSz="1152144">
-              <a:spcBef>
-                <a:spcPts val="1200"/>
-              </a:spcBef>
-              <a:buSzTx/>
-              <a:buNone/>
-              <a:defRPr sz="3024"/>
-            </a:pPr>
-            <a:r>
-              <a:t>+ T3: 3km - 3 minute run + 1 minute Walk</a:t>
-            </a:r>
-          </a:p>
-          <a:p>
-            <a:pPr lvl="1" marL="0" indent="432054" defTabSz="1152144">
-              <a:spcBef>
-                <a:spcPts val="1200"/>
-              </a:spcBef>
-              <a:buSzTx/>
-              <a:buNone/>
-              <a:defRPr sz="3024"/>
-            </a:pPr>
-            <a:r>
-              <a:t>+ T4: Walk 2km</a:t>
-            </a:r>
-          </a:p>
-          <a:p>
-            <a:pPr lvl="1" marL="0" indent="432054" defTabSz="1152144">
-              <a:spcBef>
-                <a:spcPts val="1200"/>
-              </a:spcBef>
-              <a:buSzTx/>
-              <a:buNone/>
-              <a:defRPr sz="3024"/>
-            </a:pPr>
-            <a:r>
-              <a:t>+ T5: 3km - 3 minute run + 1 minute Walk</a:t>
-            </a:r>
-          </a:p>
-          <a:p>
-            <a:pPr lvl="1" marL="0" indent="432054" defTabSz="1152144">
-              <a:spcBef>
-                <a:spcPts val="1200"/>
-              </a:spcBef>
-              <a:buSzTx/>
-              <a:buNone/>
-              <a:defRPr sz="3024"/>
-            </a:pPr>
-            <a:r>
-              <a:t>+ T6: Interval 400m x 5 + 3 minut rest</a:t>
-            </a:r>
-          </a:p>
-          <a:p>
-            <a:pPr lvl="1" marL="0" indent="432054" defTabSz="1152144">
-              <a:spcBef>
-                <a:spcPts val="1200"/>
-              </a:spcBef>
-              <a:buSzTx/>
-              <a:buNone/>
-              <a:defRPr sz="3024"/>
-            </a:pPr>
-            <a:r>
-              <a:t>+ CN: 5km- 3 minute run + 1 minute rest</a:t>
-            </a:r>
-          </a:p>
-          <a:p>
-            <a:pPr lvl="1" marL="0" indent="432054" defTabSz="1152144">
-              <a:spcBef>
-                <a:spcPts val="1200"/>
-              </a:spcBef>
-              <a:buSzTx/>
-              <a:buNone/>
-              <a:defRPr sz="3024"/>
-            </a:pPr>
-            <a:r>
-              <a:t>Total: 13km</a:t>
+            <a:pPr defTabSz="1755647">
+              <a:spcBef>
+                <a:spcPts val="1900"/>
+              </a:spcBef>
+              <a:defRPr sz="4608"/>
+            </a:pPr>
+            <a:r>
+              <a:t>- Survice</a:t>
+            </a:r>
+          </a:p>
+          <a:p>
+            <a:pPr lvl="2" defTabSz="1755647">
+              <a:spcBef>
+                <a:spcPts val="1900"/>
+              </a:spcBef>
+              <a:defRPr sz="4608"/>
+            </a:pPr>
+            <a:r>
+              <a:t>      + 21km -&gt; 25km per week</a:t>
+            </a:r>
+          </a:p>
+          <a:p>
+            <a:pPr lvl="2" defTabSz="1755647">
+              <a:spcBef>
+                <a:spcPts val="1900"/>
+              </a:spcBef>
+              <a:defRPr sz="4608"/>
+            </a:pPr>
+            <a:r>
+              <a:t>      + 10km long run</a:t>
+            </a:r>
+          </a:p>
+          <a:p>
+            <a:pPr lvl="2" defTabSz="1755647">
+              <a:spcBef>
+                <a:spcPts val="1900"/>
+              </a:spcBef>
+              <a:defRPr sz="4608"/>
+            </a:pPr>
+            <a:r>
+              <a:t>- Smoothly</a:t>
+            </a:r>
+          </a:p>
+          <a:p>
+            <a:pPr lvl="2" defTabSz="1755647">
+              <a:spcBef>
+                <a:spcPts val="1900"/>
+              </a:spcBef>
+              <a:defRPr sz="4608"/>
+            </a:pPr>
+            <a:r>
+              <a:t>+ 21km</a:t>
+            </a:r>
+          </a:p>
+          <a:p>
+            <a:pPr lvl="3" defTabSz="1755647">
+              <a:spcBef>
+                <a:spcPts val="1900"/>
+              </a:spcBef>
+              <a:defRPr sz="4608"/>
+            </a:pPr>
+            <a:r>
+              <a:t>    + 15km long run continuesly</a:t>
+            </a:r>
+          </a:p>
+          <a:p>
+            <a:pPr lvl="3" defTabSz="1755647">
+              <a:spcBef>
+                <a:spcPts val="1900"/>
+              </a:spcBef>
+              <a:defRPr sz="4608"/>
+            </a:pPr>
+            <a:r>
+              <a:t>    + 30km per week</a:t>
             </a:r>
           </a:p>
         </p:txBody>

--- a/Running.pptx
+++ b/Running.pptx
@@ -5109,7 +5109,7 @@
       </p:grpSpPr>
       <p:sp>
         <p:nvSpPr>
-          <p:cNvPr id="226" name="Project Structure"/>
+          <p:cNvPr id="227" name="Project Structure"/>
           <p:cNvSpPr txBox="1"/>
           <p:nvPr>
             <p:ph type="title"/>
@@ -5137,7 +5137,7 @@
       </p:sp>
       <p:sp>
         <p:nvSpPr>
-          <p:cNvPr id="227" name="- Module…"/>
+          <p:cNvPr id="228" name="- Module…"/>
           <p:cNvSpPr txBox="1"/>
           <p:nvPr>
             <p:ph type="body" idx="1"/>
@@ -5359,7 +5359,7 @@
       </p:grpSpPr>
       <p:sp>
         <p:nvSpPr>
-          <p:cNvPr id="229" name="Project Structure"/>
+          <p:cNvPr id="230" name="Project Structure"/>
           <p:cNvSpPr txBox="1"/>
           <p:nvPr>
             <p:ph type="title"/>
@@ -5387,7 +5387,7 @@
       </p:sp>
       <p:sp>
         <p:nvSpPr>
-          <p:cNvPr id="230" name="- Module…"/>
+          <p:cNvPr id="231" name="- Module…"/>
           <p:cNvSpPr txBox="1"/>
           <p:nvPr>
             <p:ph type="body" idx="1"/>
@@ -5528,7 +5528,7 @@
       </p:grpSpPr>
       <p:sp>
         <p:nvSpPr>
-          <p:cNvPr id="232" name="Footer Placeholder 3"/>
+          <p:cNvPr id="233" name="Footer Placeholder 3"/>
           <p:cNvSpPr txBox="1"/>
           <p:nvPr>
             <p:ph type="sldNum" sz="quarter" idx="4294967295"/>
@@ -5568,7 +5568,7 @@
       </p:sp>
       <p:sp>
         <p:nvSpPr>
-          <p:cNvPr id="233" name="Title 2"/>
+          <p:cNvPr id="234" name="Title 2"/>
           <p:cNvSpPr txBox="1"/>
           <p:nvPr>
             <p:ph type="title"/>
@@ -5600,7 +5600,7 @@
       </p:sp>
       <p:sp>
         <p:nvSpPr>
-          <p:cNvPr id="234" name="Content Placeholder 3"/>
+          <p:cNvPr id="235" name="Content Placeholder 3"/>
           <p:cNvSpPr txBox="1"/>
           <p:nvPr>
             <p:ph type="body" sz="half" idx="1"/>
@@ -5889,7 +5889,7 @@
       </p:grpSpPr>
       <p:sp>
         <p:nvSpPr>
-          <p:cNvPr id="236" name="Footer Placeholder 3"/>
+          <p:cNvPr id="237" name="Footer Placeholder 3"/>
           <p:cNvSpPr txBox="1"/>
           <p:nvPr>
             <p:ph type="sldNum" sz="quarter" idx="4294967295"/>
@@ -5929,7 +5929,7 @@
       </p:sp>
       <p:sp>
         <p:nvSpPr>
-          <p:cNvPr id="237" name="Title 2"/>
+          <p:cNvPr id="238" name="Title 2"/>
           <p:cNvSpPr txBox="1"/>
           <p:nvPr>
             <p:ph type="title"/>
@@ -5961,7 +5961,7 @@
       </p:sp>
       <p:sp>
         <p:nvSpPr>
-          <p:cNvPr id="238" name="Content Placeholder 3"/>
+          <p:cNvPr id="239" name="Content Placeholder 3"/>
           <p:cNvSpPr txBox="1"/>
           <p:nvPr>
             <p:ph type="body" sz="half" idx="1"/>
@@ -6039,6 +6039,21 @@
             </a:pPr>
             <a:r>
               <a:t>Muối</a:t>
+            </a:r>
+          </a:p>
+          <a:p>
+            <a:pPr lvl="1" marL="1143000" indent="-914400">
+              <a:lnSpc>
+                <a:spcPct val="81000"/>
+              </a:lnSpc>
+              <a:buClr>
+                <a:srgbClr val="D92C27"/>
+              </a:buClr>
+              <a:buAutoNum type="arabicPeriod" startAt="1"/>
+              <a:defRPr sz="4400"/>
+            </a:pPr>
+            <a:r>
+              <a:t>Vaselin</a:t>
             </a:r>
           </a:p>
         </p:txBody>
@@ -6071,7 +6086,7 @@
       </p:grpSpPr>
       <p:sp>
         <p:nvSpPr>
-          <p:cNvPr id="240" name="PACT"/>
+          <p:cNvPr id="241" name="PACT"/>
           <p:cNvSpPr txBox="1"/>
           <p:nvPr>
             <p:ph type="title"/>
@@ -6099,7 +6114,7 @@
       </p:sp>
       <p:sp>
         <p:nvSpPr>
-          <p:cNvPr id="241" name="-  Contract testing…"/>
+          <p:cNvPr id="242" name="-  Contract testing…"/>
           <p:cNvSpPr txBox="1"/>
           <p:nvPr>
             <p:ph type="body" sz="half" idx="1"/>
@@ -6147,6 +6162,98 @@
             </a:pPr>
             <a:r>
               <a:t>What is the right form?</a:t>
+            </a:r>
+          </a:p>
+          <a:p>
+            <a:pPr marL="914400" indent="-914400">
+              <a:lnSpc>
+                <a:spcPct val="81000"/>
+              </a:lnSpc>
+              <a:buClr>
+                <a:srgbClr val="D92C27"/>
+              </a:buClr>
+              <a:buSzPct val="100000"/>
+              <a:buAutoNum type="arabicPeriod" startAt="1"/>
+              <a:defRPr sz="4400"/>
+            </a:pPr>
+            <a:r>
+              <a:t>What is difference between 2 elite runner?</a:t>
+            </a:r>
+          </a:p>
+          <a:p>
+            <a:pPr marL="914400" indent="-914400">
+              <a:lnSpc>
+                <a:spcPct val="81000"/>
+              </a:lnSpc>
+              <a:buClr>
+                <a:srgbClr val="D92C27"/>
+              </a:buClr>
+              <a:buSzPct val="100000"/>
+              <a:buAutoNum type="arabicPeriod" startAt="1"/>
+              <a:defRPr sz="4400"/>
+            </a:pPr>
+            <a:r>
+              <a:t>what is most important thing when running</a:t>
+            </a:r>
+          </a:p>
+          <a:p>
+            <a:pPr lvl="1" marL="1143000" indent="-914400">
+              <a:lnSpc>
+                <a:spcPct val="81000"/>
+              </a:lnSpc>
+              <a:buClr>
+                <a:srgbClr val="D92C27"/>
+              </a:buClr>
+              <a:buAutoNum type="arabicPeriod" startAt="1"/>
+              <a:defRPr sz="4400"/>
+            </a:pPr>
+            <a:r>
+              <a:t>pace</a:t>
+            </a:r>
+          </a:p>
+          <a:p>
+            <a:pPr lvl="1" marL="1143000" indent="-914400">
+              <a:lnSpc>
+                <a:spcPct val="81000"/>
+              </a:lnSpc>
+              <a:buClr>
+                <a:srgbClr val="D92C27"/>
+              </a:buClr>
+              <a:buAutoNum type="arabicPeriod" startAt="1"/>
+              <a:defRPr sz="4400"/>
+            </a:pPr>
+            <a:r>
+              <a:t>elevation</a:t>
+            </a:r>
+          </a:p>
+          <a:p>
+            <a:pPr lvl="1" marL="1143000" indent="-914400">
+              <a:lnSpc>
+                <a:spcPct val="81000"/>
+              </a:lnSpc>
+              <a:buClr>
+                <a:srgbClr val="D92C27"/>
+              </a:buClr>
+              <a:buAutoNum type="arabicPeriod" startAt="1"/>
+              <a:defRPr sz="4400"/>
+            </a:pPr>
+            <a:r>
+              <a:t>wind</a:t>
+            </a:r>
+          </a:p>
+          <a:p>
+            <a:pPr lvl="1" marL="1143000" indent="-914400">
+              <a:lnSpc>
+                <a:spcPct val="81000"/>
+              </a:lnSpc>
+              <a:buClr>
+                <a:srgbClr val="D92C27"/>
+              </a:buClr>
+              <a:buAutoNum type="arabicPeriod" startAt="1"/>
+              <a:defRPr sz="4400"/>
+            </a:pPr>
+            <a:r>
+              <a:t>feeling</a:t>
             </a:r>
           </a:p>
         </p:txBody>
@@ -6179,7 +6286,7 @@
       </p:grpSpPr>
       <p:sp>
         <p:nvSpPr>
-          <p:cNvPr id="243" name="Footer Placeholder 3"/>
+          <p:cNvPr id="244" name="Footer Placeholder 3"/>
           <p:cNvSpPr txBox="1"/>
           <p:nvPr>
             <p:ph type="sldNum" sz="quarter" idx="4294967295"/>
@@ -6219,7 +6326,7 @@
       </p:sp>
       <p:sp>
         <p:nvSpPr>
-          <p:cNvPr id="244" name="Text Placeholder 3"/>
+          <p:cNvPr id="245" name="Text Placeholder 3"/>
           <p:cNvSpPr txBox="1"/>
           <p:nvPr>
             <p:ph type="body" sz="half" idx="1"/>
@@ -7006,9 +7113,9 @@
           <a:bodyPr/>
           <a:lstStyle/>
           <a:p>
-            <a:pPr marL="617219" indent="-617219" defTabSz="1645919">
-              <a:spcBef>
-                <a:spcPts val="1800"/>
+            <a:pPr marL="370332" indent="-370332" defTabSz="987552">
+              <a:spcBef>
+                <a:spcPts val="1000"/>
               </a:spcBef>
               <a:buClr>
                 <a:srgbClr val="D92C27"/>
@@ -7016,16 +7123,79 @@
               <a:buSzPct val="100000"/>
               <a:buFont typeface="Arial"/>
               <a:buChar char="•"/>
-              <a:defRPr sz="3959"/>
+              <a:defRPr sz="2376"/>
             </a:pPr>
             <a:r>
               <a:t>Pace</a:t>
             </a:r>
           </a:p>
           <a:p>
-            <a:pPr marL="617219" indent="-617219" defTabSz="1645919">
-              <a:spcBef>
-                <a:spcPts val="1800"/>
+            <a:pPr lvl="5" marL="2016252" indent="-370332" defTabSz="987552">
+              <a:spcBef>
+                <a:spcPts val="1000"/>
+              </a:spcBef>
+              <a:buClr>
+                <a:srgbClr val="D92C27"/>
+              </a:buClr>
+              <a:buSzPct val="100000"/>
+              <a:buFont typeface="Arial"/>
+              <a:defRPr sz="2376">
+                <a:latin typeface="Calibre Regular"/>
+                <a:ea typeface="Calibre Regular"/>
+                <a:cs typeface="Calibre Regular"/>
+                <a:sym typeface="Calibre Regular"/>
+              </a:defRPr>
+            </a:pPr>
+            <a:r>
+              <a:t>Walk: 12</a:t>
+            </a:r>
+          </a:p>
+          <a:p>
+            <a:pPr lvl="5" marL="2016252" indent="-370332" defTabSz="987552">
+              <a:spcBef>
+                <a:spcPts val="1000"/>
+              </a:spcBef>
+              <a:buClr>
+                <a:srgbClr val="D92C27"/>
+              </a:buClr>
+              <a:buSzPct val="100000"/>
+              <a:buFont typeface="Arial"/>
+              <a:defRPr sz="2376">
+                <a:latin typeface="Calibre Regular"/>
+                <a:ea typeface="Calibre Regular"/>
+                <a:cs typeface="Calibre Regular"/>
+                <a:sym typeface="Calibre Regular"/>
+              </a:defRPr>
+            </a:pPr>
+            <a:r>
+              <a:t>Starter: 8</a:t>
+            </a:r>
+          </a:p>
+          <a:p>
+            <a:pPr lvl="5" marL="2016252" indent="-370332" defTabSz="987552">
+              <a:spcBef>
+                <a:spcPts val="1000"/>
+              </a:spcBef>
+              <a:buClr>
+                <a:srgbClr val="D92C27"/>
+              </a:buClr>
+              <a:buSzPct val="100000"/>
+              <a:buFont typeface="Arial"/>
+              <a:defRPr sz="2376">
+                <a:latin typeface="Calibre Regular"/>
+                <a:ea typeface="Calibre Regular"/>
+                <a:cs typeface="Calibre Regular"/>
+                <a:sym typeface="Calibre Regular"/>
+              </a:defRPr>
+            </a:pPr>
+            <a:r>
+              <a:t>Elite: 8</a:t>
+            </a:r>
+          </a:p>
+          <a:p>
+            <a:pPr marL="370332" indent="-370332" defTabSz="987552">
+              <a:spcBef>
+                <a:spcPts val="1000"/>
               </a:spcBef>
               <a:buClr>
                 <a:srgbClr val="D92C27"/>
@@ -7033,16 +7203,16 @@
               <a:buSzPct val="100000"/>
               <a:buFont typeface="Arial"/>
               <a:buChar char="•"/>
-              <a:defRPr sz="3959"/>
+              <a:defRPr sz="2376"/>
             </a:pPr>
             <a:r>
               <a:t>Heart Rate(AVG/MAX)</a:t>
             </a:r>
           </a:p>
           <a:p>
-            <a:pPr marL="617219" indent="-617219" defTabSz="1645919">
-              <a:spcBef>
-                <a:spcPts val="1800"/>
+            <a:pPr marL="370332" indent="-370332" defTabSz="987552">
+              <a:spcBef>
+                <a:spcPts val="1000"/>
               </a:spcBef>
               <a:buClr>
                 <a:srgbClr val="D92C27"/>
@@ -7050,16 +7220,31 @@
               <a:buSzPct val="100000"/>
               <a:buFont typeface="Arial"/>
               <a:buChar char="•"/>
-              <a:defRPr sz="3959"/>
+              <a:defRPr sz="2376"/>
             </a:pPr>
             <a:r>
               <a:t>Cadence</a:t>
             </a:r>
           </a:p>
           <a:p>
-            <a:pPr marL="617219" indent="-617219" defTabSz="1645919">
-              <a:spcBef>
-                <a:spcPts val="1800"/>
+            <a:pPr lvl="1" marL="493776" indent="-370332" defTabSz="987552">
+              <a:spcBef>
+                <a:spcPts val="1000"/>
+              </a:spcBef>
+              <a:buClr>
+                <a:srgbClr val="D92C27"/>
+              </a:buClr>
+              <a:buFont typeface="Arial"/>
+              <a:defRPr sz="2376"/>
+            </a:pPr>
+            <a:r>
+              <a:t>Slow, Fast, Standard</a:t>
+            </a:r>
+          </a:p>
+          <a:p>
+            <a:pPr marL="370332" indent="-370332" defTabSz="987552">
+              <a:spcBef>
+                <a:spcPts val="1000"/>
               </a:spcBef>
               <a:buClr>
                 <a:srgbClr val="D92C27"/>
@@ -7067,13 +7252,31 @@
               <a:buSzPct val="100000"/>
               <a:buFont typeface="Arial"/>
               <a:buChar char="•"/>
-              <a:defRPr sz="3959"/>
-            </a:pPr>
-          </a:p>
-          <a:p>
-            <a:pPr marL="617219" indent="-617219" defTabSz="1645919">
-              <a:spcBef>
-                <a:spcPts val="1800"/>
+              <a:defRPr sz="2376"/>
+            </a:pPr>
+            <a:r>
+              <a:t>Distance</a:t>
+            </a:r>
+          </a:p>
+          <a:p>
+            <a:pPr lvl="1" marL="493776" indent="-370332" defTabSz="987552">
+              <a:spcBef>
+                <a:spcPts val="1000"/>
+              </a:spcBef>
+              <a:buClr>
+                <a:srgbClr val="D92C27"/>
+              </a:buClr>
+              <a:buFont typeface="Arial"/>
+              <a:defRPr sz="2376"/>
+            </a:pPr>
+            <a:r>
+              <a:t>5, 10, 21, 42</a:t>
+            </a:r>
+          </a:p>
+          <a:p>
+            <a:pPr marL="370332" indent="-370332" defTabSz="987552">
+              <a:spcBef>
+                <a:spcPts val="1000"/>
               </a:spcBef>
               <a:buClr>
                 <a:srgbClr val="D92C27"/>
@@ -7081,46 +7284,46 @@
               <a:buSzPct val="100000"/>
               <a:buFont typeface="Arial"/>
               <a:buChar char="•"/>
-              <a:defRPr sz="3959"/>
+              <a:defRPr sz="2376"/>
             </a:pPr>
             <a:r>
               <a:t>Time</a:t>
             </a:r>
           </a:p>
           <a:p>
-            <a:pPr lvl="1" marL="822959" indent="-617219" defTabSz="1645919">
-              <a:spcBef>
-                <a:spcPts val="1800"/>
+            <a:pPr lvl="1" marL="493776" indent="-370332" defTabSz="987552">
+              <a:spcBef>
+                <a:spcPts val="1000"/>
               </a:spcBef>
               <a:buClr>
                 <a:srgbClr val="D92C27"/>
               </a:buClr>
               <a:buFont typeface="Arial"/>
-              <a:defRPr sz="3959"/>
+              <a:defRPr sz="2376"/>
             </a:pPr>
             <a:r>
               <a:t>Moving</a:t>
             </a:r>
           </a:p>
           <a:p>
-            <a:pPr lvl="1" marL="822959" indent="-617219" defTabSz="1645919">
-              <a:spcBef>
-                <a:spcPts val="1800"/>
+            <a:pPr lvl="1" marL="493776" indent="-370332" defTabSz="987552">
+              <a:spcBef>
+                <a:spcPts val="1000"/>
               </a:spcBef>
               <a:buClr>
                 <a:srgbClr val="D92C27"/>
               </a:buClr>
               <a:buFont typeface="Arial"/>
-              <a:defRPr sz="3959"/>
+              <a:defRPr sz="2376"/>
             </a:pPr>
             <a:r>
               <a:t>Elapsed</a:t>
             </a:r>
           </a:p>
           <a:p>
-            <a:pPr marL="617219" indent="-617219" defTabSz="1645919">
-              <a:spcBef>
-                <a:spcPts val="1800"/>
+            <a:pPr marL="370332" indent="-370332" defTabSz="987552">
+              <a:spcBef>
+                <a:spcPts val="1000"/>
               </a:spcBef>
               <a:buClr>
                 <a:srgbClr val="D92C27"/>
@@ -7128,16 +7331,16 @@
               <a:buSzPct val="100000"/>
               <a:buFont typeface="Arial"/>
               <a:buChar char="•"/>
-              <a:defRPr sz="3959"/>
-            </a:pPr>
-            <a:r>
-              <a:t>VO2 MAx</a:t>
-            </a:r>
-          </a:p>
-          <a:p>
-            <a:pPr marL="617219" indent="-617219" defTabSz="1645919">
-              <a:spcBef>
-                <a:spcPts val="1800"/>
+              <a:defRPr sz="2376"/>
+            </a:pPr>
+            <a:r>
+              <a:t>VO2 MAX</a:t>
+            </a:r>
+          </a:p>
+          <a:p>
+            <a:pPr marL="370332" indent="-370332" defTabSz="987552">
+              <a:spcBef>
+                <a:spcPts val="1000"/>
               </a:spcBef>
               <a:buClr>
                 <a:srgbClr val="D92C27"/>
@@ -7145,10 +7348,27 @@
               <a:buSzPct val="100000"/>
               <a:buFont typeface="Arial"/>
               <a:buChar char="•"/>
-              <a:defRPr sz="3959"/>
-            </a:pPr>
-            <a:r>
-              <a:t>Categories</a:t>
+              <a:defRPr sz="2376"/>
+            </a:pPr>
+            <a:r>
+              <a:t>Aerobic/Anerobic</a:t>
+            </a:r>
+          </a:p>
+          <a:p>
+            <a:pPr marL="370332" indent="-370332" defTabSz="987552">
+              <a:spcBef>
+                <a:spcPts val="1000"/>
+              </a:spcBef>
+              <a:buClr>
+                <a:srgbClr val="D92C27"/>
+              </a:buClr>
+              <a:buSzPct val="100000"/>
+              <a:buFont typeface="Arial"/>
+              <a:buChar char="•"/>
+              <a:defRPr sz="2376"/>
+            </a:pPr>
+            <a:r>
+              <a:t>Calories: 1000 kcal = 1kg ???</a:t>
             </a:r>
           </a:p>
         </p:txBody>
@@ -7444,8 +7664,8 @@
         </p:nvSpPr>
         <p:spPr>
           <a:xfrm>
-            <a:off x="1787610" y="3865502"/>
-            <a:ext cx="20808778" cy="9556351"/>
+            <a:off x="1384764" y="3320476"/>
+            <a:ext cx="20808779" cy="9556350"/>
           </a:xfrm>
           <a:prstGeom prst="rect">
             <a:avLst/>
@@ -7455,9 +7675,9 @@
           <a:bodyPr/>
           <a:lstStyle/>
           <a:p>
-            <a:pPr marL="562355" indent="-562355" defTabSz="1499616">
-              <a:spcBef>
-                <a:spcPts val="1600"/>
+            <a:pPr marL="630936" indent="-630936" defTabSz="1682495">
+              <a:spcBef>
+                <a:spcPts val="1800"/>
               </a:spcBef>
               <a:buClr>
                 <a:srgbClr val="D92C27"/>
@@ -7465,13 +7685,13 @@
               <a:buSzPct val="100000"/>
               <a:buFont typeface="Arial"/>
               <a:buChar char="•"/>
-              <a:defRPr sz="3607"/>
-            </a:pPr>
-          </a:p>
-          <a:p>
-            <a:pPr marL="562355" indent="-562355" defTabSz="1499616">
-              <a:spcBef>
-                <a:spcPts val="1600"/>
+              <a:defRPr sz="4048"/>
+            </a:pPr>
+          </a:p>
+          <a:p>
+            <a:pPr marL="630936" indent="-630936" defTabSz="1682495">
+              <a:spcBef>
+                <a:spcPts val="1800"/>
               </a:spcBef>
               <a:buClr>
                 <a:srgbClr val="D92C27"/>
@@ -7479,50 +7699,202 @@
               <a:buSzPct val="100000"/>
               <a:buFont typeface="Arial"/>
               <a:buChar char="•"/>
-              <a:defRPr sz="3607"/>
+              <a:defRPr sz="4048"/>
             </a:pPr>
             <a:r>
               <a:t>Head</a:t>
             </a:r>
           </a:p>
           <a:p>
-            <a:pPr lvl="1" marL="749808" indent="-562355" defTabSz="1499616">
-              <a:spcBef>
-                <a:spcPts val="1600"/>
+            <a:pPr lvl="5" marL="3435096" indent="-630936" defTabSz="1682495">
+              <a:spcBef>
+                <a:spcPts val="1800"/>
+              </a:spcBef>
+              <a:buClr>
+                <a:srgbClr val="D92C27"/>
+              </a:buClr>
+              <a:buSzPct val="100000"/>
+              <a:buFont typeface="Arial"/>
+              <a:defRPr sz="4048">
+                <a:latin typeface="Calibre Regular"/>
+                <a:ea typeface="Calibre Regular"/>
+                <a:cs typeface="Calibre Regular"/>
+                <a:sym typeface="Calibre Regular"/>
+              </a:defRPr>
+            </a:pPr>
+            <a:r>
+              <a:t>Look over 30m</a:t>
+            </a:r>
+          </a:p>
+          <a:p>
+            <a:pPr lvl="1" marL="841247" indent="-630936" defTabSz="1682495">
+              <a:spcBef>
+                <a:spcPts val="1800"/>
               </a:spcBef>
               <a:buClr>
                 <a:srgbClr val="D92C27"/>
               </a:buClr>
               <a:buFont typeface="Arial"/>
-              <a:defRPr sz="3607"/>
-            </a:pPr>
-          </a:p>
-          <a:p>
-            <a:pPr lvl="1" marL="749808" indent="-562355" defTabSz="1499616">
-              <a:spcBef>
-                <a:spcPts val="1600"/>
+              <a:defRPr sz="4048"/>
+            </a:pPr>
+            <a:r>
+              <a:t>Landing Foot</a:t>
+            </a:r>
+          </a:p>
+          <a:p>
+            <a:pPr lvl="5" marL="3435096" indent="-630936" defTabSz="1682495">
+              <a:spcBef>
+                <a:spcPts val="1800"/>
+              </a:spcBef>
+              <a:buClr>
+                <a:srgbClr val="D92C27"/>
+              </a:buClr>
+              <a:buSzPct val="100000"/>
+              <a:buFont typeface="Arial"/>
+              <a:defRPr sz="4048">
+                <a:latin typeface="Calibre Regular"/>
+                <a:ea typeface="Calibre Regular"/>
+                <a:cs typeface="Calibre Regular"/>
+                <a:sym typeface="Calibre Regular"/>
+              </a:defRPr>
+            </a:pPr>
+            <a:r>
+              <a:t>Mid Upper</a:t>
+            </a:r>
+          </a:p>
+          <a:p>
+            <a:pPr lvl="5" marL="3435096" indent="-630936" defTabSz="1682495">
+              <a:spcBef>
+                <a:spcPts val="1800"/>
+              </a:spcBef>
+              <a:buClr>
+                <a:srgbClr val="D92C27"/>
+              </a:buClr>
+              <a:buSzPct val="100000"/>
+              <a:buFont typeface="Arial"/>
+              <a:defRPr sz="4048">
+                <a:latin typeface="Calibre Regular"/>
+                <a:ea typeface="Calibre Regular"/>
+                <a:cs typeface="Calibre Regular"/>
+                <a:sym typeface="Calibre Regular"/>
+              </a:defRPr>
+            </a:pPr>
+            <a:r>
+              <a:t>Centre Gravity</a:t>
+            </a:r>
+          </a:p>
+          <a:p>
+            <a:pPr lvl="5" marL="3435096" indent="-630936" defTabSz="1682495">
+              <a:spcBef>
+                <a:spcPts val="1800"/>
+              </a:spcBef>
+              <a:buClr>
+                <a:srgbClr val="D92C27"/>
+              </a:buClr>
+              <a:buSzPct val="100000"/>
+              <a:buFont typeface="Arial"/>
+              <a:defRPr sz="4048">
+                <a:latin typeface="Calibre Regular"/>
+                <a:ea typeface="Calibre Regular"/>
+                <a:cs typeface="Calibre Regular"/>
+                <a:sym typeface="Calibre Regular"/>
+              </a:defRPr>
+            </a:pPr>
+          </a:p>
+          <a:p>
+            <a:pPr lvl="1" marL="841247" indent="-630936" defTabSz="1682495">
+              <a:spcBef>
+                <a:spcPts val="1800"/>
               </a:spcBef>
               <a:buClr>
                 <a:srgbClr val="D92C27"/>
               </a:buClr>
               <a:buFont typeface="Arial"/>
-              <a:defRPr sz="3607"/>
-            </a:pPr>
-            <a:r>
-              <a:t>Landing Foot</a:t>
-            </a:r>
-          </a:p>
-          <a:p>
-            <a:pPr lvl="1" marL="749808" indent="-562355" defTabSz="1499616">
-              <a:spcBef>
-                <a:spcPts val="1600"/>
+              <a:defRPr sz="4048"/>
+            </a:pPr>
+            <a:r>
+              <a:t>Hand</a:t>
+            </a:r>
+          </a:p>
+          <a:p>
+            <a:pPr lvl="5" marL="3435096" indent="-630936" defTabSz="1682495">
+              <a:spcBef>
+                <a:spcPts val="1800"/>
               </a:spcBef>
               <a:buClr>
                 <a:srgbClr val="D92C27"/>
               </a:buClr>
+              <a:buSzPct val="100000"/>
               <a:buFont typeface="Arial"/>
-              <a:defRPr sz="3607"/>
-            </a:pPr>
+              <a:defRPr sz="4048">
+                <a:latin typeface="Calibre Regular"/>
+                <a:ea typeface="Calibre Regular"/>
+                <a:cs typeface="Calibre Regular"/>
+                <a:sym typeface="Calibre Regular"/>
+              </a:defRPr>
+            </a:pPr>
+            <a:r>
+              <a:t>90 degree</a:t>
+            </a:r>
+          </a:p>
+          <a:p>
+            <a:pPr lvl="5" marL="3435096" indent="-630936" defTabSz="1682495">
+              <a:spcBef>
+                <a:spcPts val="1800"/>
+              </a:spcBef>
+              <a:buClr>
+                <a:srgbClr val="D92C27"/>
+              </a:buClr>
+              <a:buSzPct val="100000"/>
+              <a:buFont typeface="Arial"/>
+              <a:defRPr sz="4048">
+                <a:latin typeface="Calibre Regular"/>
+                <a:ea typeface="Calibre Regular"/>
+                <a:cs typeface="Calibre Regular"/>
+                <a:sym typeface="Calibre Regular"/>
+              </a:defRPr>
+            </a:pPr>
+            <a:r>
+              <a:t>up down</a:t>
+            </a:r>
+          </a:p>
+          <a:p>
+            <a:pPr lvl="4" marL="630936" indent="-630936" defTabSz="1682495">
+              <a:spcBef>
+                <a:spcPts val="1800"/>
+              </a:spcBef>
+              <a:buClr>
+                <a:srgbClr val="D92C27"/>
+              </a:buClr>
+              <a:buSzPct val="100000"/>
+              <a:buFont typeface="Arial"/>
+              <a:buChar char="•"/>
+              <a:defRPr sz="4048"/>
+            </a:pPr>
+            <a:r>
+              <a:t>Foot</a:t>
+            </a:r>
+          </a:p>
+          <a:p>
+            <a:pPr lvl="5" marL="3435096" indent="-630936" defTabSz="1682495">
+              <a:spcBef>
+                <a:spcPts val="1800"/>
+              </a:spcBef>
+              <a:buClr>
+                <a:srgbClr val="D92C27"/>
+              </a:buClr>
+              <a:buSzPct val="100000"/>
+              <a:buFont typeface="Arial"/>
+              <a:defRPr sz="4048">
+                <a:latin typeface="Calibre Regular"/>
+                <a:ea typeface="Calibre Regular"/>
+                <a:cs typeface="Calibre Regular"/>
+                <a:sym typeface="Calibre Regular"/>
+              </a:defRPr>
+            </a:pPr>
+            <a:r>
+              <a:t>Kick back</a:t>
+            </a:r>
           </a:p>
         </p:txBody>
       </p:sp>
@@ -7544,8 +7916,8 @@
         </p:blipFill>
         <p:spPr>
           <a:xfrm>
-            <a:off x="1787610" y="3865502"/>
-            <a:ext cx="7310416" cy="4093834"/>
+            <a:off x="11925433" y="3744728"/>
+            <a:ext cx="7310416" cy="4093833"/>
           </a:xfrm>
           <a:prstGeom prst="rect">
             <a:avLst/>
@@ -7573,8 +7945,37 @@
         </p:blipFill>
         <p:spPr>
           <a:xfrm>
-            <a:off x="1787610" y="3865502"/>
+            <a:off x="14151891" y="8841588"/>
             <a:ext cx="2857501" cy="2857501"/>
+          </a:xfrm>
+          <a:prstGeom prst="rect">
+            <a:avLst/>
+          </a:prstGeom>
+          <a:ln w="12700">
+            <a:miter lim="400000"/>
+          </a:ln>
+        </p:spPr>
+      </p:pic>
+      <p:pic>
+        <p:nvPicPr>
+          <p:cNvPr id="216" name="Image" descr="Image"/>
+          <p:cNvPicPr>
+            <a:picLocks noChangeAspect="1"/>
+          </p:cNvPicPr>
+          <p:nvPr/>
+        </p:nvPicPr>
+        <p:blipFill>
+          <a:blip r:embed="rId4">
+            <a:extLst/>
+          </a:blip>
+          <a:stretch>
+            <a:fillRect/>
+          </a:stretch>
+        </p:blipFill>
+        <p:spPr>
+          <a:xfrm>
+            <a:off x="18975966" y="8399717"/>
+            <a:ext cx="2451101" cy="3314701"/>
           </a:xfrm>
           <a:prstGeom prst="rect">
             <a:avLst/>
@@ -7612,7 +8013,7 @@
       </p:grpSpPr>
       <p:sp>
         <p:nvSpPr>
-          <p:cNvPr id="217" name="SHOOL API PROJECT"/>
+          <p:cNvPr id="218" name="SHOOL API PROJECT"/>
           <p:cNvSpPr txBox="1"/>
           <p:nvPr>
             <p:ph type="title"/>
@@ -7640,7 +8041,7 @@
       </p:sp>
       <p:sp>
         <p:nvSpPr>
-          <p:cNvPr id="218" name="- Modules:…"/>
+          <p:cNvPr id="219" name="- Modules:…"/>
           <p:cNvSpPr txBox="1"/>
           <p:nvPr>
             <p:ph type="body" idx="1"/>
@@ -7786,7 +8187,7 @@
       </p:grpSpPr>
       <p:sp>
         <p:nvSpPr>
-          <p:cNvPr id="220" name="Project Structure"/>
+          <p:cNvPr id="221" name="Project Structure"/>
           <p:cNvSpPr txBox="1"/>
           <p:nvPr>
             <p:ph type="title"/>
@@ -7814,7 +8215,7 @@
       </p:sp>
       <p:sp>
         <p:nvSpPr>
-          <p:cNvPr id="221" name="- Module…"/>
+          <p:cNvPr id="222" name="- Module…"/>
           <p:cNvSpPr txBox="1"/>
           <p:nvPr>
             <p:ph type="body" idx="1"/>
@@ -7956,7 +8357,7 @@
       </p:grpSpPr>
       <p:sp>
         <p:nvSpPr>
-          <p:cNvPr id="223" name="Project Structure"/>
+          <p:cNvPr id="224" name="Project Structure"/>
           <p:cNvSpPr txBox="1"/>
           <p:nvPr>
             <p:ph type="title"/>
@@ -7984,7 +8385,7 @@
       </p:sp>
       <p:sp>
         <p:nvSpPr>
-          <p:cNvPr id="224" name="- Module…"/>
+          <p:cNvPr id="225" name="- Module…"/>
           <p:cNvSpPr txBox="1"/>
           <p:nvPr>
             <p:ph type="body" idx="1"/>

--- a/Running.pptx
+++ b/Running.pptx
@@ -1737,7 +1737,7 @@
         <p:spPr>
           <a:xfrm rot="611512">
             <a:off x="-1137793" y="2426657"/>
-            <a:ext cx="26110452" cy="7261354"/>
+            <a:ext cx="26110451" cy="7261354"/>
           </a:xfrm>
           <a:custGeom>
             <a:avLst/>
@@ -1827,7 +1827,7 @@
         <p:spPr>
           <a:xfrm>
             <a:off x="22274145" y="12638127"/>
-            <a:ext cx="591110" cy="614675"/>
+            <a:ext cx="591111" cy="614675"/>
           </a:xfrm>
           <a:prstGeom prst="rect">
             <a:avLst/>
@@ -2060,7 +2060,7 @@
         <p:spPr>
           <a:xfrm>
             <a:off x="21375251" y="12638127"/>
-            <a:ext cx="591110" cy="614675"/>
+            <a:ext cx="591111" cy="614675"/>
           </a:xfrm>
           <a:prstGeom prst="rect">
             <a:avLst/>
@@ -2292,7 +2292,7 @@
         <p:spPr>
           <a:xfrm>
             <a:off x="21375251" y="12638127"/>
-            <a:ext cx="591110" cy="614675"/>
+            <a:ext cx="591111" cy="614675"/>
           </a:xfrm>
           <a:prstGeom prst="rect">
             <a:avLst/>
@@ -2506,7 +2506,7 @@
         <p:spPr>
           <a:xfrm rot="611512">
             <a:off x="-1137793" y="2426657"/>
-            <a:ext cx="26110452" cy="7261354"/>
+            <a:ext cx="26110451" cy="7261354"/>
           </a:xfrm>
           <a:custGeom>
             <a:avLst/>
@@ -2625,7 +2625,7 @@
         <p:spPr>
           <a:xfrm>
             <a:off x="21375251" y="12638127"/>
-            <a:ext cx="591110" cy="614675"/>
+            <a:ext cx="591111" cy="614675"/>
           </a:xfrm>
           <a:prstGeom prst="rect">
             <a:avLst/>
@@ -3098,8 +3098,8 @@
         </p:nvSpPr>
         <p:spPr>
           <a:xfrm>
-            <a:off x="12001500" y="13085233"/>
-            <a:ext cx="368504" cy="374600"/>
+            <a:off x="12001499" y="13085233"/>
+            <a:ext cx="368505" cy="374600"/>
           </a:xfrm>
           <a:prstGeom prst="rect">
             <a:avLst/>
@@ -3277,10 +3277,6 @@
           </p:nvPr>
         </p:nvSpPr>
         <p:spPr>
-          <a:xfrm>
-            <a:off x="1206500" y="4248503"/>
-            <a:ext cx="21971000" cy="8256014"/>
-          </a:xfrm>
           <a:prstGeom prst="rect">
             <a:avLst/>
           </a:prstGeom>
@@ -3718,8 +3714,8 @@
         </p:nvSpPr>
         <p:spPr>
           <a:xfrm>
-            <a:off x="12001500" y="13085233"/>
-            <a:ext cx="368504" cy="374600"/>
+            <a:off x="12001499" y="13085233"/>
+            <a:ext cx="368505" cy="374600"/>
           </a:xfrm>
           <a:prstGeom prst="rect">
             <a:avLst/>
@@ -4073,10 +4069,6 @@
           </p:nvPr>
         </p:nvSpPr>
         <p:spPr>
-          <a:xfrm>
-            <a:off x="1206500" y="4248503"/>
-            <a:ext cx="21971000" cy="8256014"/>
-          </a:xfrm>
           <a:prstGeom prst="rect">
             <a:avLst/>
           </a:prstGeom>
@@ -4269,8 +4261,8 @@
         </p:nvSpPr>
         <p:spPr>
           <a:xfrm>
-            <a:off x="12001500" y="13080999"/>
-            <a:ext cx="368504" cy="374600"/>
+            <a:off x="12001499" y="13080999"/>
+            <a:ext cx="368505" cy="374600"/>
           </a:xfrm>
           <a:prstGeom prst="rect">
             <a:avLst/>
@@ -5537,7 +5529,7 @@
         <p:spPr>
           <a:xfrm>
             <a:off x="21375250" y="12638127"/>
-            <a:ext cx="591111" cy="614675"/>
+            <a:ext cx="591110" cy="614675"/>
           </a:xfrm>
           <a:prstGeom prst="rect">
             <a:avLst/>
@@ -5577,7 +5569,7 @@
         <p:spPr>
           <a:xfrm>
             <a:off x="1249678" y="1158238"/>
-            <a:ext cx="19816490" cy="2401575"/>
+            <a:ext cx="19816490" cy="2401574"/>
           </a:xfrm>
           <a:prstGeom prst="rect">
             <a:avLst/>
@@ -6095,7 +6087,7 @@
         <p:spPr>
           <a:xfrm>
             <a:off x="1249680" y="1158238"/>
-            <a:ext cx="19816490" cy="2401575"/>
+            <a:ext cx="19816490" cy="2401574"/>
           </a:xfrm>
           <a:prstGeom prst="rect">
             <a:avLst/>
@@ -6123,7 +6115,7 @@
         <p:spPr>
           <a:xfrm>
             <a:off x="1762211" y="3816375"/>
-            <a:ext cx="12683533" cy="8624704"/>
+            <a:ext cx="12683533" cy="9377245"/>
           </a:xfrm>
           <a:prstGeom prst="rect">
             <a:avLst/>
@@ -6254,6 +6246,52 @@
             </a:pPr>
             <a:r>
               <a:t>feeling</a:t>
+            </a:r>
+          </a:p>
+          <a:p>
+            <a:pPr marL="914400" indent="-914400">
+              <a:lnSpc>
+                <a:spcPct val="81000"/>
+              </a:lnSpc>
+              <a:buClr>
+                <a:srgbClr val="D92C27"/>
+              </a:buClr>
+              <a:buSzPct val="100000"/>
+              <a:buAutoNum type="arabicPeriod" startAt="1"/>
+              <a:defRPr sz="4400"/>
+            </a:pPr>
+            <a:r>
+              <a:t>Easy misktake</a:t>
+            </a:r>
+          </a:p>
+          <a:p>
+            <a:pPr lvl="1" marL="1143000" indent="-914400">
+              <a:lnSpc>
+                <a:spcPct val="81000"/>
+              </a:lnSpc>
+              <a:buClr>
+                <a:srgbClr val="D92C27"/>
+              </a:buClr>
+              <a:buAutoNum type="arabicPeriod" startAt="1"/>
+              <a:defRPr sz="4400"/>
+            </a:pPr>
+            <a:r>
+              <a:t>Run same pace, same pace for many days!!!</a:t>
+            </a:r>
+          </a:p>
+          <a:p>
+            <a:pPr lvl="1" marL="1143000" indent="-914400">
+              <a:lnSpc>
+                <a:spcPct val="81000"/>
+              </a:lnSpc>
+              <a:buClr>
+                <a:srgbClr val="D92C27"/>
+              </a:buClr>
+              <a:buAutoNum type="arabicPeriod" startAt="1"/>
+              <a:defRPr sz="4400"/>
+            </a:pPr>
+            <a:r>
+              <a:t>Run too fast, not easy not follow plan</a:t>
             </a:r>
           </a:p>
         </p:txBody>
@@ -6295,7 +6333,7 @@
         <p:spPr>
           <a:xfrm>
             <a:off x="22274142" y="12638126"/>
-            <a:ext cx="591111" cy="614675"/>
+            <a:ext cx="591110" cy="614675"/>
           </a:xfrm>
           <a:prstGeom prst="rect">
             <a:avLst/>
@@ -6388,7 +6426,7 @@
         </p:nvSpPr>
         <p:spPr>
           <a:xfrm>
-            <a:off x="21573016" y="12638126"/>
+            <a:off x="21573015" y="12638126"/>
             <a:ext cx="393343" cy="614675"/>
           </a:xfrm>
           <a:prstGeom prst="rect">
@@ -6429,7 +6467,7 @@
         <p:spPr>
           <a:xfrm>
             <a:off x="1280160" y="1158238"/>
-            <a:ext cx="19825184" cy="2401575"/>
+            <a:ext cx="19825184" cy="2401574"/>
           </a:xfrm>
           <a:prstGeom prst="rect">
             <a:avLst/>
@@ -6457,7 +6495,7 @@
         <p:spPr>
           <a:xfrm>
             <a:off x="1787610" y="3865502"/>
-            <a:ext cx="20808779" cy="7787154"/>
+            <a:ext cx="20808778" cy="7787155"/>
           </a:xfrm>
           <a:prstGeom prst="rect">
             <a:avLst/>
@@ -6623,7 +6661,7 @@
         </p:nvSpPr>
         <p:spPr>
           <a:xfrm>
-            <a:off x="21573016" y="12638126"/>
+            <a:off x="21573015" y="12638126"/>
             <a:ext cx="393343" cy="614675"/>
           </a:xfrm>
           <a:prstGeom prst="rect">
@@ -6664,7 +6702,7 @@
         <p:spPr>
           <a:xfrm>
             <a:off x="1280160" y="1158238"/>
-            <a:ext cx="19825184" cy="2401575"/>
+            <a:ext cx="19825184" cy="2401574"/>
           </a:xfrm>
           <a:prstGeom prst="rect">
             <a:avLst/>
@@ -6896,7 +6934,7 @@
         <p:spPr>
           <a:xfrm>
             <a:off x="1988561" y="9357954"/>
-            <a:ext cx="18408382" cy="2531340"/>
+            <a:ext cx="18408382" cy="2531341"/>
           </a:xfrm>
           <a:prstGeom prst="rect">
             <a:avLst/>
@@ -6924,7 +6962,7 @@
         </p:blipFill>
         <p:spPr>
           <a:xfrm>
-            <a:off x="13942822" y="5001782"/>
+            <a:off x="13942823" y="5001781"/>
             <a:ext cx="5029201" cy="3238501"/>
           </a:xfrm>
           <a:prstGeom prst="rect">
@@ -6953,8 +6991,8 @@
         </p:blipFill>
         <p:spPr>
           <a:xfrm>
-            <a:off x="8416310" y="5116750"/>
-            <a:ext cx="3956860" cy="3482500"/>
+            <a:off x="8416311" y="5116750"/>
+            <a:ext cx="3956859" cy="3482500"/>
           </a:xfrm>
           <a:prstGeom prst="rect">
             <a:avLst/>
@@ -7030,7 +7068,7 @@
         </p:nvSpPr>
         <p:spPr>
           <a:xfrm>
-            <a:off x="21573016" y="12638126"/>
+            <a:off x="21573015" y="12638126"/>
             <a:ext cx="393343" cy="614675"/>
           </a:xfrm>
           <a:prstGeom prst="rect">
@@ -7071,7 +7109,7 @@
         <p:spPr>
           <a:xfrm>
             <a:off x="1280160" y="1158238"/>
-            <a:ext cx="19825184" cy="2401575"/>
+            <a:ext cx="19825184" cy="2401574"/>
           </a:xfrm>
           <a:prstGeom prst="rect">
             <a:avLst/>
@@ -7103,7 +7141,7 @@
         <p:spPr>
           <a:xfrm>
             <a:off x="1787610" y="3865502"/>
-            <a:ext cx="20808779" cy="7787154"/>
+            <a:ext cx="20808778" cy="7787155"/>
           </a:xfrm>
           <a:prstGeom prst="rect">
             <a:avLst/>
@@ -7637,7 +7675,7 @@
         <p:spPr>
           <a:xfrm>
             <a:off x="1280160" y="1158238"/>
-            <a:ext cx="19825184" cy="2401575"/>
+            <a:ext cx="19825184" cy="2401574"/>
           </a:xfrm>
           <a:prstGeom prst="rect">
             <a:avLst/>
@@ -7916,7 +7954,7 @@
         </p:blipFill>
         <p:spPr>
           <a:xfrm>
-            <a:off x="11925433" y="3744728"/>
+            <a:off x="11925434" y="3744728"/>
             <a:ext cx="7310416" cy="4093833"/>
           </a:xfrm>
           <a:prstGeom prst="rect">
@@ -7974,7 +8012,7 @@
         </p:blipFill>
         <p:spPr>
           <a:xfrm>
-            <a:off x="18975966" y="8399717"/>
+            <a:off x="18975965" y="8399716"/>
             <a:ext cx="2451101" cy="3314701"/>
           </a:xfrm>
           <a:prstGeom prst="rect">
@@ -8196,7 +8234,7 @@
         <p:spPr>
           <a:xfrm>
             <a:off x="1280160" y="1158238"/>
-            <a:ext cx="19825184" cy="2401575"/>
+            <a:ext cx="19825184" cy="2401574"/>
           </a:xfrm>
           <a:prstGeom prst="rect">
             <a:avLst/>
